--- a/overview.pptx
+++ b/overview.pptx
@@ -4,6 +4,9 @@
   <p:sldMasterIdLst>
     <p:sldMasterId id="2147483648" r:id="rId1"/>
   </p:sldMasterIdLst>
+  <p:sldIdLst>
+    <p:sldId id="256" r:id="rId2"/>
+  </p:sldIdLst>
   <p:sldSz cx="9144000" cy="6858000" type="screen4x3"/>
   <p:notesSz cx="6858000" cy="9144000"/>
   <p:defaultTextStyle>
@@ -286,7 +289,7 @@
             <a:fld id="{1D8BD707-D9CF-40AE-B4C6-C98DA3205C09}" type="datetimeFigureOut">
               <a:rPr lang="en-US" smtClean="0"/>
               <a:pPr/>
-              <a:t>9/18/2006</a:t>
+              <a:t>1/6/2016</a:t>
             </a:fld>
             <a:endParaRPr lang="en-US"/>
           </a:p>
@@ -453,7 +456,7 @@
             <a:fld id="{1D8BD707-D9CF-40AE-B4C6-C98DA3205C09}" type="datetimeFigureOut">
               <a:rPr lang="en-US" smtClean="0"/>
               <a:pPr/>
-              <a:t>9/18/2006</a:t>
+              <a:t>1/6/2016</a:t>
             </a:fld>
             <a:endParaRPr lang="en-US"/>
           </a:p>
@@ -630,7 +633,7 @@
             <a:fld id="{1D8BD707-D9CF-40AE-B4C6-C98DA3205C09}" type="datetimeFigureOut">
               <a:rPr lang="en-US" smtClean="0"/>
               <a:pPr/>
-              <a:t>9/18/2006</a:t>
+              <a:t>1/6/2016</a:t>
             </a:fld>
             <a:endParaRPr lang="en-US"/>
           </a:p>
@@ -797,7 +800,7 @@
             <a:fld id="{1D8BD707-D9CF-40AE-B4C6-C98DA3205C09}" type="datetimeFigureOut">
               <a:rPr lang="en-US" smtClean="0"/>
               <a:pPr/>
-              <a:t>9/18/2006</a:t>
+              <a:t>1/6/2016</a:t>
             </a:fld>
             <a:endParaRPr lang="en-US"/>
           </a:p>
@@ -1040,7 +1043,7 @@
             <a:fld id="{1D8BD707-D9CF-40AE-B4C6-C98DA3205C09}" type="datetimeFigureOut">
               <a:rPr lang="en-US" smtClean="0"/>
               <a:pPr/>
-              <a:t>9/18/2006</a:t>
+              <a:t>1/6/2016</a:t>
             </a:fld>
             <a:endParaRPr lang="en-US"/>
           </a:p>
@@ -1325,7 +1328,7 @@
             <a:fld id="{1D8BD707-D9CF-40AE-B4C6-C98DA3205C09}" type="datetimeFigureOut">
               <a:rPr lang="en-US" smtClean="0"/>
               <a:pPr/>
-              <a:t>9/18/2006</a:t>
+              <a:t>1/6/2016</a:t>
             </a:fld>
             <a:endParaRPr lang="en-US"/>
           </a:p>
@@ -1744,7 +1747,7 @@
             <a:fld id="{1D8BD707-D9CF-40AE-B4C6-C98DA3205C09}" type="datetimeFigureOut">
               <a:rPr lang="en-US" smtClean="0"/>
               <a:pPr/>
-              <a:t>9/18/2006</a:t>
+              <a:t>1/6/2016</a:t>
             </a:fld>
             <a:endParaRPr lang="en-US"/>
           </a:p>
@@ -1859,7 +1862,7 @@
             <a:fld id="{1D8BD707-D9CF-40AE-B4C6-C98DA3205C09}" type="datetimeFigureOut">
               <a:rPr lang="en-US" smtClean="0"/>
               <a:pPr/>
-              <a:t>9/18/2006</a:t>
+              <a:t>1/6/2016</a:t>
             </a:fld>
             <a:endParaRPr lang="en-US"/>
           </a:p>
@@ -1951,7 +1954,7 @@
             <a:fld id="{1D8BD707-D9CF-40AE-B4C6-C98DA3205C09}" type="datetimeFigureOut">
               <a:rPr lang="en-US" smtClean="0"/>
               <a:pPr/>
-              <a:t>9/18/2006</a:t>
+              <a:t>1/6/2016</a:t>
             </a:fld>
             <a:endParaRPr lang="en-US"/>
           </a:p>
@@ -2225,7 +2228,7 @@
             <a:fld id="{1D8BD707-D9CF-40AE-B4C6-C98DA3205C09}" type="datetimeFigureOut">
               <a:rPr lang="en-US" smtClean="0"/>
               <a:pPr/>
-              <a:t>9/18/2006</a:t>
+              <a:t>1/6/2016</a:t>
             </a:fld>
             <a:endParaRPr lang="en-US"/>
           </a:p>
@@ -2475,7 +2478,7 @@
             <a:fld id="{1D8BD707-D9CF-40AE-B4C6-C98DA3205C09}" type="datetimeFigureOut">
               <a:rPr lang="en-US" smtClean="0"/>
               <a:pPr/>
-              <a:t>9/18/2006</a:t>
+              <a:t>1/6/2016</a:t>
             </a:fld>
             <a:endParaRPr lang="en-US"/>
           </a:p>
@@ -2685,7 +2688,7 @@
             <a:fld id="{1D8BD707-D9CF-40AE-B4C6-C98DA3205C09}" type="datetimeFigureOut">
               <a:rPr lang="en-US" smtClean="0"/>
               <a:pPr/>
-              <a:t>9/18/2006</a:t>
+              <a:t>1/6/2016</a:t>
             </a:fld>
             <a:endParaRPr lang="en-US"/>
           </a:p>
@@ -3037,6 +3040,1933 @@
     </p:otherStyle>
   </p:txStyles>
 </p:sldMaster>
+</file>
+
+<file path=ppt/slides/slide1.xml><?xml version="1.0" encoding="utf-8"?>
+<p:sld xmlns:a="http://schemas.openxmlformats.org/drawingml/2006/main" xmlns:r="http://schemas.openxmlformats.org/officeDocument/2006/relationships" xmlns:p="http://schemas.openxmlformats.org/presentationml/2006/main">
+  <p:cSld>
+    <p:spTree>
+      <p:nvGrpSpPr>
+        <p:cNvPr id="1" name=""/>
+        <p:cNvGrpSpPr/>
+        <p:nvPr/>
+      </p:nvGrpSpPr>
+      <p:grpSpPr>
+        <a:xfrm>
+          <a:off x="0" y="0"/>
+          <a:ext cx="0" cy="0"/>
+          <a:chOff x="0" y="0"/>
+          <a:chExt cx="0" cy="0"/>
+        </a:xfrm>
+      </p:grpSpPr>
+      <p:sp>
+        <p:nvSpPr>
+          <p:cNvPr id="4" name="Rectangle 3"/>
+          <p:cNvSpPr/>
+          <p:nvPr/>
+        </p:nvSpPr>
+        <p:spPr>
+          <a:xfrm>
+            <a:off x="1600200" y="905723"/>
+            <a:ext cx="914400" cy="914400"/>
+          </a:xfrm>
+          <a:prstGeom prst="rect">
+            <a:avLst/>
+          </a:prstGeom>
+        </p:spPr>
+        <p:style>
+          <a:lnRef idx="2">
+            <a:schemeClr val="accent1">
+              <a:shade val="50000"/>
+            </a:schemeClr>
+          </a:lnRef>
+          <a:fillRef idx="1">
+            <a:schemeClr val="accent1"/>
+          </a:fillRef>
+          <a:effectRef idx="0">
+            <a:schemeClr val="accent1"/>
+          </a:effectRef>
+          <a:fontRef idx="minor">
+            <a:schemeClr val="lt1"/>
+          </a:fontRef>
+        </p:style>
+        <p:txBody>
+          <a:bodyPr rtlCol="0" anchor="ctr"/>
+          <a:lstStyle/>
+          <a:p>
+            <a:pPr algn="ctr"/>
+            <a:r>
+              <a:rPr lang="en-US" dirty="0" err="1" smtClean="0"/>
+              <a:t>Bldg</a:t>
+            </a:r>
+            <a:r>
+              <a:rPr lang="en-US" dirty="0" smtClean="0"/>
+              <a:t> Geo JSON</a:t>
+            </a:r>
+          </a:p>
+        </p:txBody>
+      </p:sp>
+      <p:sp>
+        <p:nvSpPr>
+          <p:cNvPr id="5" name="Rectangle 4"/>
+          <p:cNvSpPr/>
+          <p:nvPr/>
+        </p:nvSpPr>
+        <p:spPr>
+          <a:xfrm>
+            <a:off x="4876800" y="894029"/>
+            <a:ext cx="1143000" cy="914400"/>
+          </a:xfrm>
+          <a:prstGeom prst="rect">
+            <a:avLst/>
+          </a:prstGeom>
+          <a:solidFill>
+            <a:schemeClr val="accent3">
+              <a:lumMod val="75000"/>
+            </a:schemeClr>
+          </a:solidFill>
+          <a:ln>
+            <a:solidFill>
+              <a:schemeClr val="accent3">
+                <a:lumMod val="50000"/>
+              </a:schemeClr>
+            </a:solidFill>
+          </a:ln>
+        </p:spPr>
+        <p:style>
+          <a:lnRef idx="2">
+            <a:schemeClr val="accent1">
+              <a:shade val="50000"/>
+            </a:schemeClr>
+          </a:lnRef>
+          <a:fillRef idx="1">
+            <a:schemeClr val="accent1"/>
+          </a:fillRef>
+          <a:effectRef idx="0">
+            <a:schemeClr val="accent1"/>
+          </a:effectRef>
+          <a:fontRef idx="minor">
+            <a:schemeClr val="lt1"/>
+          </a:fontRef>
+        </p:style>
+        <p:txBody>
+          <a:bodyPr rtlCol="0" anchor="ctr"/>
+          <a:lstStyle/>
+          <a:p>
+            <a:pPr algn="ctr"/>
+            <a:r>
+              <a:rPr lang="en-US" dirty="0" smtClean="0"/>
+              <a:t>Geometry Creation Measure</a:t>
+            </a:r>
+            <a:endParaRPr lang="en-US" dirty="0"/>
+          </a:p>
+        </p:txBody>
+      </p:sp>
+      <p:sp>
+        <p:nvSpPr>
+          <p:cNvPr id="6" name="TextBox 5"/>
+          <p:cNvSpPr txBox="1"/>
+          <p:nvPr/>
+        </p:nvSpPr>
+        <p:spPr>
+          <a:xfrm>
+            <a:off x="133909" y="533400"/>
+            <a:ext cx="1031051" cy="369332"/>
+          </a:xfrm>
+          <a:prstGeom prst="rect">
+            <a:avLst/>
+          </a:prstGeom>
+          <a:noFill/>
+        </p:spPr>
+        <p:txBody>
+          <a:bodyPr wrap="none" rtlCol="0">
+            <a:spAutoFit/>
+          </a:bodyPr>
+          <a:lstStyle/>
+          <a:p>
+            <a:r>
+              <a:rPr lang="en-US" dirty="0" smtClean="0"/>
+              <a:t>NREL GIS</a:t>
+            </a:r>
+            <a:endParaRPr lang="en-US" dirty="0"/>
+          </a:p>
+        </p:txBody>
+      </p:sp>
+      <p:sp>
+        <p:nvSpPr>
+          <p:cNvPr id="7" name="TextBox 6"/>
+          <p:cNvSpPr txBox="1"/>
+          <p:nvPr/>
+        </p:nvSpPr>
+        <p:spPr>
+          <a:xfrm>
+            <a:off x="76200" y="1840468"/>
+            <a:ext cx="1088760" cy="369332"/>
+          </a:xfrm>
+          <a:prstGeom prst="rect">
+            <a:avLst/>
+          </a:prstGeom>
+          <a:noFill/>
+        </p:spPr>
+        <p:txBody>
+          <a:bodyPr wrap="none" rtlCol="0">
+            <a:spAutoFit/>
+          </a:bodyPr>
+          <a:lstStyle/>
+          <a:p>
+            <a:r>
+              <a:rPr lang="en-US" dirty="0" smtClean="0"/>
+              <a:t>Input GUI</a:t>
+            </a:r>
+            <a:endParaRPr lang="en-US" dirty="0"/>
+          </a:p>
+        </p:txBody>
+      </p:sp>
+      <p:sp>
+        <p:nvSpPr>
+          <p:cNvPr id="12" name="Rectangle 11"/>
+          <p:cNvSpPr/>
+          <p:nvPr/>
+        </p:nvSpPr>
+        <p:spPr>
+          <a:xfrm>
+            <a:off x="6172200" y="894029"/>
+            <a:ext cx="914400" cy="914400"/>
+          </a:xfrm>
+          <a:prstGeom prst="rect">
+            <a:avLst/>
+          </a:prstGeom>
+        </p:spPr>
+        <p:style>
+          <a:lnRef idx="2">
+            <a:schemeClr val="accent1">
+              <a:shade val="50000"/>
+            </a:schemeClr>
+          </a:lnRef>
+          <a:fillRef idx="1">
+            <a:schemeClr val="accent1"/>
+          </a:fillRef>
+          <a:effectRef idx="0">
+            <a:schemeClr val="accent1"/>
+          </a:effectRef>
+          <a:fontRef idx="minor">
+            <a:schemeClr val="lt1"/>
+          </a:fontRef>
+        </p:style>
+        <p:txBody>
+          <a:bodyPr rtlCol="0" anchor="ctr"/>
+          <a:lstStyle/>
+          <a:p>
+            <a:pPr algn="ctr"/>
+            <a:r>
+              <a:rPr lang="en-US" dirty="0" smtClean="0"/>
+              <a:t>OSM</a:t>
+            </a:r>
+            <a:endParaRPr lang="en-US" dirty="0"/>
+          </a:p>
+        </p:txBody>
+      </p:sp>
+      <p:sp>
+        <p:nvSpPr>
+          <p:cNvPr id="13" name="Rectangle 12"/>
+          <p:cNvSpPr/>
+          <p:nvPr/>
+        </p:nvSpPr>
+        <p:spPr>
+          <a:xfrm>
+            <a:off x="7239000" y="914400"/>
+            <a:ext cx="381000" cy="914400"/>
+          </a:xfrm>
+          <a:prstGeom prst="rect">
+            <a:avLst/>
+          </a:prstGeom>
+          <a:solidFill>
+            <a:schemeClr val="accent3">
+              <a:lumMod val="75000"/>
+            </a:schemeClr>
+          </a:solidFill>
+          <a:ln>
+            <a:solidFill>
+              <a:schemeClr val="accent3">
+                <a:lumMod val="50000"/>
+              </a:schemeClr>
+            </a:solidFill>
+          </a:ln>
+        </p:spPr>
+        <p:style>
+          <a:lnRef idx="2">
+            <a:schemeClr val="accent1">
+              <a:shade val="50000"/>
+            </a:schemeClr>
+          </a:lnRef>
+          <a:fillRef idx="1">
+            <a:schemeClr val="accent1"/>
+          </a:fillRef>
+          <a:effectRef idx="0">
+            <a:schemeClr val="accent1"/>
+          </a:effectRef>
+          <a:fontRef idx="minor">
+            <a:schemeClr val="lt1"/>
+          </a:fontRef>
+        </p:style>
+        <p:txBody>
+          <a:bodyPr rtlCol="0" anchor="ctr"/>
+          <a:lstStyle/>
+          <a:p>
+            <a:pPr algn="ctr"/>
+            <a:endParaRPr lang="en-US" dirty="0"/>
+          </a:p>
+        </p:txBody>
+      </p:sp>
+      <p:sp>
+        <p:nvSpPr>
+          <p:cNvPr id="14" name="Rectangle 13"/>
+          <p:cNvSpPr/>
+          <p:nvPr/>
+        </p:nvSpPr>
+        <p:spPr>
+          <a:xfrm>
+            <a:off x="7772400" y="909873"/>
+            <a:ext cx="381000" cy="914400"/>
+          </a:xfrm>
+          <a:prstGeom prst="rect">
+            <a:avLst/>
+          </a:prstGeom>
+          <a:solidFill>
+            <a:schemeClr val="accent3">
+              <a:lumMod val="75000"/>
+            </a:schemeClr>
+          </a:solidFill>
+          <a:ln>
+            <a:solidFill>
+              <a:schemeClr val="accent3">
+                <a:lumMod val="50000"/>
+              </a:schemeClr>
+            </a:solidFill>
+          </a:ln>
+        </p:spPr>
+        <p:style>
+          <a:lnRef idx="2">
+            <a:schemeClr val="accent1">
+              <a:shade val="50000"/>
+            </a:schemeClr>
+          </a:lnRef>
+          <a:fillRef idx="1">
+            <a:schemeClr val="accent1"/>
+          </a:fillRef>
+          <a:effectRef idx="0">
+            <a:schemeClr val="accent1"/>
+          </a:effectRef>
+          <a:fontRef idx="minor">
+            <a:schemeClr val="lt1"/>
+          </a:fontRef>
+        </p:style>
+        <p:txBody>
+          <a:bodyPr rtlCol="0" anchor="ctr"/>
+          <a:lstStyle/>
+          <a:p>
+            <a:pPr algn="ctr"/>
+            <a:endParaRPr lang="en-US" dirty="0"/>
+          </a:p>
+        </p:txBody>
+      </p:sp>
+      <p:sp>
+        <p:nvSpPr>
+          <p:cNvPr id="15" name="Rectangle 14"/>
+          <p:cNvSpPr/>
+          <p:nvPr/>
+        </p:nvSpPr>
+        <p:spPr>
+          <a:xfrm>
+            <a:off x="8305800" y="909873"/>
+            <a:ext cx="381000" cy="914400"/>
+          </a:xfrm>
+          <a:prstGeom prst="rect">
+            <a:avLst/>
+          </a:prstGeom>
+          <a:solidFill>
+            <a:schemeClr val="accent3">
+              <a:lumMod val="75000"/>
+            </a:schemeClr>
+          </a:solidFill>
+          <a:ln>
+            <a:solidFill>
+              <a:schemeClr val="accent3">
+                <a:lumMod val="50000"/>
+              </a:schemeClr>
+            </a:solidFill>
+          </a:ln>
+        </p:spPr>
+        <p:style>
+          <a:lnRef idx="2">
+            <a:schemeClr val="accent1">
+              <a:shade val="50000"/>
+            </a:schemeClr>
+          </a:lnRef>
+          <a:fillRef idx="1">
+            <a:schemeClr val="accent1"/>
+          </a:fillRef>
+          <a:effectRef idx="0">
+            <a:schemeClr val="accent1"/>
+          </a:effectRef>
+          <a:fontRef idx="minor">
+            <a:schemeClr val="lt1"/>
+          </a:fontRef>
+        </p:style>
+        <p:txBody>
+          <a:bodyPr rtlCol="0" anchor="ctr"/>
+          <a:lstStyle/>
+          <a:p>
+            <a:pPr algn="ctr"/>
+            <a:endParaRPr lang="en-US" dirty="0"/>
+          </a:p>
+        </p:txBody>
+      </p:sp>
+      <p:sp>
+        <p:nvSpPr>
+          <p:cNvPr id="16" name="TextBox 15"/>
+          <p:cNvSpPr txBox="1"/>
+          <p:nvPr/>
+        </p:nvSpPr>
+        <p:spPr>
+          <a:xfrm>
+            <a:off x="5960672" y="533400"/>
+            <a:ext cx="2102948" cy="369332"/>
+          </a:xfrm>
+          <a:prstGeom prst="rect">
+            <a:avLst/>
+          </a:prstGeom>
+          <a:noFill/>
+        </p:spPr>
+        <p:txBody>
+          <a:bodyPr wrap="none" rtlCol="0">
+            <a:spAutoFit/>
+          </a:bodyPr>
+          <a:lstStyle/>
+          <a:p>
+            <a:r>
+              <a:rPr lang="en-US" dirty="0" smtClean="0"/>
+              <a:t>OpenStudio Analysis</a:t>
+            </a:r>
+            <a:endParaRPr lang="en-US" dirty="0"/>
+          </a:p>
+        </p:txBody>
+      </p:sp>
+      <p:sp>
+        <p:nvSpPr>
+          <p:cNvPr id="17" name="Rectangle 16"/>
+          <p:cNvSpPr/>
+          <p:nvPr/>
+        </p:nvSpPr>
+        <p:spPr>
+          <a:xfrm>
+            <a:off x="4764246" y="524723"/>
+            <a:ext cx="4074954" cy="1676400"/>
+          </a:xfrm>
+          <a:prstGeom prst="rect">
+            <a:avLst/>
+          </a:prstGeom>
+          <a:noFill/>
+        </p:spPr>
+        <p:style>
+          <a:lnRef idx="2">
+            <a:schemeClr val="accent1">
+              <a:shade val="50000"/>
+            </a:schemeClr>
+          </a:lnRef>
+          <a:fillRef idx="1">
+            <a:schemeClr val="accent1"/>
+          </a:fillRef>
+          <a:effectRef idx="0">
+            <a:schemeClr val="accent1"/>
+          </a:effectRef>
+          <a:fontRef idx="minor">
+            <a:schemeClr val="lt1"/>
+          </a:fontRef>
+        </p:style>
+        <p:txBody>
+          <a:bodyPr rtlCol="0" anchor="ctr"/>
+          <a:lstStyle/>
+          <a:p>
+            <a:pPr algn="ctr"/>
+            <a:endParaRPr lang="en-US"/>
+          </a:p>
+        </p:txBody>
+      </p:sp>
+      <p:sp>
+        <p:nvSpPr>
+          <p:cNvPr id="18" name="Can 17"/>
+          <p:cNvSpPr/>
+          <p:nvPr/>
+        </p:nvSpPr>
+        <p:spPr>
+          <a:xfrm>
+            <a:off x="6263726" y="2514600"/>
+            <a:ext cx="1051474" cy="1066800"/>
+          </a:xfrm>
+          <a:prstGeom prst="can">
+            <a:avLst/>
+          </a:prstGeom>
+        </p:spPr>
+        <p:style>
+          <a:lnRef idx="2">
+            <a:schemeClr val="accent1">
+              <a:shade val="50000"/>
+            </a:schemeClr>
+          </a:lnRef>
+          <a:fillRef idx="1">
+            <a:schemeClr val="accent1"/>
+          </a:fillRef>
+          <a:effectRef idx="0">
+            <a:schemeClr val="accent1"/>
+          </a:effectRef>
+          <a:fontRef idx="minor">
+            <a:schemeClr val="lt1"/>
+          </a:fontRef>
+        </p:style>
+        <p:txBody>
+          <a:bodyPr rtlCol="0" anchor="ctr"/>
+          <a:lstStyle/>
+          <a:p>
+            <a:pPr algn="ctr"/>
+            <a:r>
+              <a:rPr lang="en-US" dirty="0" err="1" smtClean="0"/>
+              <a:t>DEncity</a:t>
+            </a:r>
+            <a:endParaRPr lang="en-US" dirty="0"/>
+          </a:p>
+        </p:txBody>
+      </p:sp>
+      <p:cxnSp>
+        <p:nvCxnSpPr>
+          <p:cNvPr id="20" name="Elbow Connector 19"/>
+          <p:cNvCxnSpPr>
+            <a:stCxn id="17" idx="3"/>
+            <a:endCxn id="18" idx="4"/>
+          </p:cNvCxnSpPr>
+          <p:nvPr/>
+        </p:nvCxnSpPr>
+        <p:spPr>
+          <a:xfrm flipH="1">
+            <a:off x="7315200" y="1362923"/>
+            <a:ext cx="1524000" cy="1685077"/>
+          </a:xfrm>
+          <a:prstGeom prst="bentConnector3">
+            <a:avLst>
+              <a:gd name="adj1" fmla="val -15000"/>
+            </a:avLst>
+          </a:prstGeom>
+          <a:ln>
+            <a:tailEnd type="arrow"/>
+          </a:ln>
+        </p:spPr>
+        <p:style>
+          <a:lnRef idx="1">
+            <a:schemeClr val="accent1"/>
+          </a:lnRef>
+          <a:fillRef idx="0">
+            <a:schemeClr val="accent1"/>
+          </a:fillRef>
+          <a:effectRef idx="0">
+            <a:schemeClr val="accent1"/>
+          </a:effectRef>
+          <a:fontRef idx="minor">
+            <a:schemeClr val="tx1"/>
+          </a:fontRef>
+        </p:style>
+      </p:cxnSp>
+      <p:sp>
+        <p:nvSpPr>
+          <p:cNvPr id="24" name="Rectangle 23"/>
+          <p:cNvSpPr/>
+          <p:nvPr/>
+        </p:nvSpPr>
+        <p:spPr>
+          <a:xfrm>
+            <a:off x="1600200" y="2590800"/>
+            <a:ext cx="990600" cy="914400"/>
+          </a:xfrm>
+          <a:prstGeom prst="rect">
+            <a:avLst/>
+          </a:prstGeom>
+        </p:spPr>
+        <p:style>
+          <a:lnRef idx="2">
+            <a:schemeClr val="accent1">
+              <a:shade val="50000"/>
+            </a:schemeClr>
+          </a:lnRef>
+          <a:fillRef idx="1">
+            <a:schemeClr val="accent1"/>
+          </a:fillRef>
+          <a:effectRef idx="0">
+            <a:schemeClr val="accent1"/>
+          </a:effectRef>
+          <a:fontRef idx="minor">
+            <a:schemeClr val="lt1"/>
+          </a:fontRef>
+        </p:style>
+        <p:txBody>
+          <a:bodyPr rtlCol="0" anchor="ctr"/>
+          <a:lstStyle/>
+          <a:p>
+            <a:pPr algn="ctr"/>
+            <a:r>
+              <a:rPr lang="en-US" dirty="0" smtClean="0"/>
+              <a:t>Scenario JSON</a:t>
+            </a:r>
+            <a:endParaRPr lang="en-US" dirty="0"/>
+          </a:p>
+        </p:txBody>
+      </p:sp>
+      <p:sp>
+        <p:nvSpPr>
+          <p:cNvPr id="25" name="Rectangle 24"/>
+          <p:cNvSpPr/>
+          <p:nvPr/>
+        </p:nvSpPr>
+        <p:spPr>
+          <a:xfrm>
+            <a:off x="3200400" y="2590800"/>
+            <a:ext cx="1371600" cy="914400"/>
+          </a:xfrm>
+          <a:prstGeom prst="rect">
+            <a:avLst/>
+          </a:prstGeom>
+          <a:solidFill>
+            <a:schemeClr val="accent3">
+              <a:lumMod val="75000"/>
+            </a:schemeClr>
+          </a:solidFill>
+          <a:ln>
+            <a:solidFill>
+              <a:schemeClr val="accent3">
+                <a:lumMod val="50000"/>
+              </a:schemeClr>
+            </a:solidFill>
+          </a:ln>
+        </p:spPr>
+        <p:style>
+          <a:lnRef idx="2">
+            <a:schemeClr val="accent1">
+              <a:shade val="50000"/>
+            </a:schemeClr>
+          </a:lnRef>
+          <a:fillRef idx="1">
+            <a:schemeClr val="accent1"/>
+          </a:fillRef>
+          <a:effectRef idx="0">
+            <a:schemeClr val="accent1"/>
+          </a:effectRef>
+          <a:fontRef idx="minor">
+            <a:schemeClr val="lt1"/>
+          </a:fontRef>
+        </p:style>
+        <p:txBody>
+          <a:bodyPr rtlCol="0" anchor="ctr"/>
+          <a:lstStyle/>
+          <a:p>
+            <a:pPr algn="ctr"/>
+            <a:r>
+              <a:rPr lang="en-US" dirty="0" smtClean="0"/>
+              <a:t>Scenario Exporter</a:t>
+            </a:r>
+            <a:endParaRPr lang="en-US" dirty="0"/>
+          </a:p>
+        </p:txBody>
+      </p:sp>
+      <p:sp>
+        <p:nvSpPr>
+          <p:cNvPr id="27" name="Rectangle 26"/>
+          <p:cNvSpPr/>
+          <p:nvPr/>
+        </p:nvSpPr>
+        <p:spPr>
+          <a:xfrm>
+            <a:off x="2514600" y="4953000"/>
+            <a:ext cx="914400" cy="914400"/>
+          </a:xfrm>
+          <a:prstGeom prst="rect">
+            <a:avLst/>
+          </a:prstGeom>
+        </p:spPr>
+        <p:style>
+          <a:lnRef idx="2">
+            <a:schemeClr val="accent1">
+              <a:shade val="50000"/>
+            </a:schemeClr>
+          </a:lnRef>
+          <a:fillRef idx="1">
+            <a:schemeClr val="accent1"/>
+          </a:fillRef>
+          <a:effectRef idx="0">
+            <a:schemeClr val="accent1"/>
+          </a:effectRef>
+          <a:fontRef idx="minor">
+            <a:schemeClr val="lt1"/>
+          </a:fontRef>
+        </p:style>
+        <p:txBody>
+          <a:bodyPr rtlCol="0" anchor="ctr"/>
+          <a:lstStyle/>
+          <a:p>
+            <a:pPr algn="ctr"/>
+            <a:r>
+              <a:rPr lang="en-US" dirty="0" smtClean="0"/>
+              <a:t>Results Geo JSON</a:t>
+            </a:r>
+            <a:endParaRPr lang="en-US" dirty="0"/>
+          </a:p>
+        </p:txBody>
+      </p:sp>
+      <p:cxnSp>
+        <p:nvCxnSpPr>
+          <p:cNvPr id="29" name="Straight Arrow Connector 28"/>
+          <p:cNvCxnSpPr>
+            <a:stCxn id="18" idx="2"/>
+            <a:endCxn id="25" idx="3"/>
+          </p:cNvCxnSpPr>
+          <p:nvPr/>
+        </p:nvCxnSpPr>
+        <p:spPr>
+          <a:xfrm flipH="1">
+            <a:off x="4572000" y="3048000"/>
+            <a:ext cx="1691726" cy="0"/>
+          </a:xfrm>
+          <a:prstGeom prst="straightConnector1">
+            <a:avLst/>
+          </a:prstGeom>
+          <a:ln>
+            <a:tailEnd type="arrow"/>
+          </a:ln>
+        </p:spPr>
+        <p:style>
+          <a:lnRef idx="1">
+            <a:schemeClr val="accent1"/>
+          </a:lnRef>
+          <a:fillRef idx="0">
+            <a:schemeClr val="accent1"/>
+          </a:fillRef>
+          <a:effectRef idx="0">
+            <a:schemeClr val="accent1"/>
+          </a:effectRef>
+          <a:fontRef idx="minor">
+            <a:schemeClr val="tx1"/>
+          </a:fontRef>
+        </p:style>
+      </p:cxnSp>
+      <p:cxnSp>
+        <p:nvCxnSpPr>
+          <p:cNvPr id="31" name="Straight Arrow Connector 30"/>
+          <p:cNvCxnSpPr>
+            <a:stCxn id="24" idx="3"/>
+            <a:endCxn id="25" idx="1"/>
+          </p:cNvCxnSpPr>
+          <p:nvPr/>
+        </p:nvCxnSpPr>
+        <p:spPr>
+          <a:xfrm>
+            <a:off x="2590800" y="3048000"/>
+            <a:ext cx="609600" cy="0"/>
+          </a:xfrm>
+          <a:prstGeom prst="straightConnector1">
+            <a:avLst/>
+          </a:prstGeom>
+          <a:ln>
+            <a:tailEnd type="arrow"/>
+          </a:ln>
+        </p:spPr>
+        <p:style>
+          <a:lnRef idx="1">
+            <a:schemeClr val="accent1"/>
+          </a:lnRef>
+          <a:fillRef idx="0">
+            <a:schemeClr val="accent1"/>
+          </a:fillRef>
+          <a:effectRef idx="0">
+            <a:schemeClr val="accent1"/>
+          </a:effectRef>
+          <a:fontRef idx="minor">
+            <a:schemeClr val="tx1"/>
+          </a:fontRef>
+        </p:style>
+      </p:cxnSp>
+      <p:sp>
+        <p:nvSpPr>
+          <p:cNvPr id="34" name="TextBox 33"/>
+          <p:cNvSpPr txBox="1"/>
+          <p:nvPr/>
+        </p:nvSpPr>
+        <p:spPr>
+          <a:xfrm>
+            <a:off x="126201" y="4876800"/>
+            <a:ext cx="1256241" cy="369332"/>
+          </a:xfrm>
+          <a:prstGeom prst="rect">
+            <a:avLst/>
+          </a:prstGeom>
+          <a:noFill/>
+        </p:spPr>
+        <p:txBody>
+          <a:bodyPr wrap="none" rtlCol="0">
+            <a:spAutoFit/>
+          </a:bodyPr>
+          <a:lstStyle/>
+          <a:p>
+            <a:r>
+              <a:rPr lang="en-US" dirty="0" smtClean="0"/>
+              <a:t>Results GUI</a:t>
+            </a:r>
+            <a:endParaRPr lang="en-US" dirty="0"/>
+          </a:p>
+        </p:txBody>
+      </p:sp>
+      <p:cxnSp>
+        <p:nvCxnSpPr>
+          <p:cNvPr id="44" name="Elbow Connector 43"/>
+          <p:cNvCxnSpPr>
+            <a:stCxn id="6" idx="3"/>
+            <a:endCxn id="4" idx="1"/>
+          </p:cNvCxnSpPr>
+          <p:nvPr/>
+        </p:nvCxnSpPr>
+        <p:spPr>
+          <a:xfrm>
+            <a:off x="1164960" y="718066"/>
+            <a:ext cx="435240" cy="644857"/>
+          </a:xfrm>
+          <a:prstGeom prst="bentConnector3">
+            <a:avLst/>
+          </a:prstGeom>
+          <a:ln>
+            <a:tailEnd type="arrow"/>
+          </a:ln>
+        </p:spPr>
+        <p:style>
+          <a:lnRef idx="1">
+            <a:schemeClr val="accent1"/>
+          </a:lnRef>
+          <a:fillRef idx="0">
+            <a:schemeClr val="accent1"/>
+          </a:fillRef>
+          <a:effectRef idx="0">
+            <a:schemeClr val="accent1"/>
+          </a:effectRef>
+          <a:fontRef idx="minor">
+            <a:schemeClr val="tx1"/>
+          </a:fontRef>
+        </p:style>
+      </p:cxnSp>
+      <p:cxnSp>
+        <p:nvCxnSpPr>
+          <p:cNvPr id="49" name="Elbow Connector 48"/>
+          <p:cNvCxnSpPr>
+            <a:stCxn id="7" idx="3"/>
+            <a:endCxn id="4" idx="1"/>
+          </p:cNvCxnSpPr>
+          <p:nvPr/>
+        </p:nvCxnSpPr>
+        <p:spPr>
+          <a:xfrm flipV="1">
+            <a:off x="1164960" y="1362923"/>
+            <a:ext cx="435240" cy="662211"/>
+          </a:xfrm>
+          <a:prstGeom prst="bentConnector3">
+            <a:avLst/>
+          </a:prstGeom>
+          <a:ln>
+            <a:headEnd type="arrow"/>
+            <a:tailEnd type="arrow"/>
+          </a:ln>
+        </p:spPr>
+        <p:style>
+          <a:lnRef idx="1">
+            <a:schemeClr val="accent1"/>
+          </a:lnRef>
+          <a:fillRef idx="0">
+            <a:schemeClr val="accent1"/>
+          </a:fillRef>
+          <a:effectRef idx="0">
+            <a:schemeClr val="accent1"/>
+          </a:effectRef>
+          <a:fontRef idx="minor">
+            <a:schemeClr val="tx1"/>
+          </a:fontRef>
+        </p:style>
+      </p:cxnSp>
+      <p:sp>
+        <p:nvSpPr>
+          <p:cNvPr id="50" name="Rectangle 49"/>
+          <p:cNvSpPr/>
+          <p:nvPr/>
+        </p:nvSpPr>
+        <p:spPr>
+          <a:xfrm>
+            <a:off x="156022" y="2590800"/>
+            <a:ext cx="914400" cy="914400"/>
+          </a:xfrm>
+          <a:prstGeom prst="rect">
+            <a:avLst/>
+          </a:prstGeom>
+        </p:spPr>
+        <p:style>
+          <a:lnRef idx="2">
+            <a:schemeClr val="accent1">
+              <a:shade val="50000"/>
+            </a:schemeClr>
+          </a:lnRef>
+          <a:fillRef idx="1">
+            <a:schemeClr val="accent1"/>
+          </a:fillRef>
+          <a:effectRef idx="0">
+            <a:schemeClr val="accent1"/>
+          </a:effectRef>
+          <a:fontRef idx="minor">
+            <a:schemeClr val="lt1"/>
+          </a:fontRef>
+        </p:style>
+        <p:txBody>
+          <a:bodyPr rtlCol="0" anchor="ctr"/>
+          <a:lstStyle/>
+          <a:p>
+            <a:pPr algn="ctr"/>
+            <a:r>
+              <a:rPr lang="en-US" dirty="0" err="1" smtClean="0"/>
+              <a:t>Taxlot</a:t>
+            </a:r>
+            <a:r>
+              <a:rPr lang="en-US" dirty="0" smtClean="0"/>
+              <a:t> Geo JSON</a:t>
+            </a:r>
+          </a:p>
+        </p:txBody>
+      </p:sp>
+      <p:cxnSp>
+        <p:nvCxnSpPr>
+          <p:cNvPr id="52" name="Straight Arrow Connector 51"/>
+          <p:cNvCxnSpPr>
+            <a:stCxn id="50" idx="0"/>
+            <a:endCxn id="7" idx="2"/>
+          </p:cNvCxnSpPr>
+          <p:nvPr/>
+        </p:nvCxnSpPr>
+        <p:spPr>
+          <a:xfrm flipV="1">
+            <a:off x="613222" y="2209800"/>
+            <a:ext cx="7358" cy="381000"/>
+          </a:xfrm>
+          <a:prstGeom prst="straightConnector1">
+            <a:avLst/>
+          </a:prstGeom>
+          <a:ln>
+            <a:tailEnd type="arrow"/>
+          </a:ln>
+        </p:spPr>
+        <p:style>
+          <a:lnRef idx="1">
+            <a:schemeClr val="accent1"/>
+          </a:lnRef>
+          <a:fillRef idx="0">
+            <a:schemeClr val="accent1"/>
+          </a:fillRef>
+          <a:effectRef idx="0">
+            <a:schemeClr val="accent1"/>
+          </a:effectRef>
+          <a:fontRef idx="minor">
+            <a:schemeClr val="tx1"/>
+          </a:fontRef>
+        </p:style>
+      </p:cxnSp>
+      <p:sp>
+        <p:nvSpPr>
+          <p:cNvPr id="57" name="Rectangle 56"/>
+          <p:cNvSpPr/>
+          <p:nvPr/>
+        </p:nvSpPr>
+        <p:spPr>
+          <a:xfrm>
+            <a:off x="2688465" y="905723"/>
+            <a:ext cx="816735" cy="914400"/>
+          </a:xfrm>
+          <a:prstGeom prst="rect">
+            <a:avLst/>
+          </a:prstGeom>
+          <a:solidFill>
+            <a:schemeClr val="accent3">
+              <a:lumMod val="75000"/>
+            </a:schemeClr>
+          </a:solidFill>
+          <a:ln>
+            <a:solidFill>
+              <a:schemeClr val="accent3">
+                <a:lumMod val="50000"/>
+              </a:schemeClr>
+            </a:solidFill>
+          </a:ln>
+        </p:spPr>
+        <p:style>
+          <a:lnRef idx="2">
+            <a:schemeClr val="accent1">
+              <a:shade val="50000"/>
+            </a:schemeClr>
+          </a:lnRef>
+          <a:fillRef idx="1">
+            <a:schemeClr val="accent1"/>
+          </a:fillRef>
+          <a:effectRef idx="0">
+            <a:schemeClr val="accent1"/>
+          </a:effectRef>
+          <a:fontRef idx="minor">
+            <a:schemeClr val="lt1"/>
+          </a:fontRef>
+        </p:style>
+        <p:txBody>
+          <a:bodyPr rtlCol="0" anchor="ctr"/>
+          <a:lstStyle/>
+          <a:p>
+            <a:pPr algn="ctr"/>
+            <a:r>
+              <a:rPr lang="en-US" dirty="0" smtClean="0"/>
+              <a:t>Geo </a:t>
+            </a:r>
+          </a:p>
+          <a:p>
+            <a:pPr algn="ctr"/>
+            <a:r>
+              <a:rPr lang="en-US" dirty="0" smtClean="0"/>
+              <a:t>JSON Scripts</a:t>
+            </a:r>
+            <a:endParaRPr lang="en-US" dirty="0"/>
+          </a:p>
+        </p:txBody>
+      </p:sp>
+      <p:sp>
+        <p:nvSpPr>
+          <p:cNvPr id="58" name="Rectangle 57"/>
+          <p:cNvSpPr/>
+          <p:nvPr/>
+        </p:nvSpPr>
+        <p:spPr>
+          <a:xfrm>
+            <a:off x="3657600" y="905723"/>
+            <a:ext cx="914400" cy="914400"/>
+          </a:xfrm>
+          <a:prstGeom prst="rect">
+            <a:avLst/>
+          </a:prstGeom>
+        </p:spPr>
+        <p:style>
+          <a:lnRef idx="2">
+            <a:schemeClr val="accent1">
+              <a:shade val="50000"/>
+            </a:schemeClr>
+          </a:lnRef>
+          <a:fillRef idx="1">
+            <a:schemeClr val="accent1"/>
+          </a:fillRef>
+          <a:effectRef idx="0">
+            <a:schemeClr val="accent1"/>
+          </a:effectRef>
+          <a:fontRef idx="minor">
+            <a:schemeClr val="lt1"/>
+          </a:fontRef>
+        </p:style>
+        <p:txBody>
+          <a:bodyPr rtlCol="0" anchor="ctr"/>
+          <a:lstStyle/>
+          <a:p>
+            <a:pPr algn="ctr"/>
+            <a:r>
+              <a:rPr lang="en-US" dirty="0" err="1" smtClean="0"/>
+              <a:t>Bldg</a:t>
+            </a:r>
+            <a:r>
+              <a:rPr lang="en-US" dirty="0" smtClean="0"/>
+              <a:t> Geo JSON</a:t>
+            </a:r>
+          </a:p>
+        </p:txBody>
+      </p:sp>
+      <p:cxnSp>
+        <p:nvCxnSpPr>
+          <p:cNvPr id="60" name="Straight Arrow Connector 59"/>
+          <p:cNvCxnSpPr>
+            <a:stCxn id="4" idx="3"/>
+            <a:endCxn id="57" idx="1"/>
+          </p:cNvCxnSpPr>
+          <p:nvPr/>
+        </p:nvCxnSpPr>
+        <p:spPr>
+          <a:xfrm>
+            <a:off x="2514600" y="1362923"/>
+            <a:ext cx="173865" cy="0"/>
+          </a:xfrm>
+          <a:prstGeom prst="straightConnector1">
+            <a:avLst/>
+          </a:prstGeom>
+          <a:ln>
+            <a:tailEnd type="arrow"/>
+          </a:ln>
+        </p:spPr>
+        <p:style>
+          <a:lnRef idx="1">
+            <a:schemeClr val="accent1"/>
+          </a:lnRef>
+          <a:fillRef idx="0">
+            <a:schemeClr val="accent1"/>
+          </a:fillRef>
+          <a:effectRef idx="0">
+            <a:schemeClr val="accent1"/>
+          </a:effectRef>
+          <a:fontRef idx="minor">
+            <a:schemeClr val="tx1"/>
+          </a:fontRef>
+        </p:style>
+      </p:cxnSp>
+      <p:cxnSp>
+        <p:nvCxnSpPr>
+          <p:cNvPr id="62" name="Straight Arrow Connector 61"/>
+          <p:cNvCxnSpPr>
+            <a:stCxn id="57" idx="3"/>
+            <a:endCxn id="58" idx="1"/>
+          </p:cNvCxnSpPr>
+          <p:nvPr/>
+        </p:nvCxnSpPr>
+        <p:spPr>
+          <a:xfrm>
+            <a:off x="3505200" y="1362923"/>
+            <a:ext cx="152400" cy="0"/>
+          </a:xfrm>
+          <a:prstGeom prst="straightConnector1">
+            <a:avLst/>
+          </a:prstGeom>
+          <a:ln>
+            <a:tailEnd type="arrow"/>
+          </a:ln>
+        </p:spPr>
+        <p:style>
+          <a:lnRef idx="1">
+            <a:schemeClr val="accent1"/>
+          </a:lnRef>
+          <a:fillRef idx="0">
+            <a:schemeClr val="accent1"/>
+          </a:fillRef>
+          <a:effectRef idx="0">
+            <a:schemeClr val="accent1"/>
+          </a:effectRef>
+          <a:fontRef idx="minor">
+            <a:schemeClr val="tx1"/>
+          </a:fontRef>
+        </p:style>
+      </p:cxnSp>
+      <p:cxnSp>
+        <p:nvCxnSpPr>
+          <p:cNvPr id="64" name="Straight Arrow Connector 63"/>
+          <p:cNvCxnSpPr>
+            <a:stCxn id="58" idx="3"/>
+            <a:endCxn id="17" idx="1"/>
+          </p:cNvCxnSpPr>
+          <p:nvPr/>
+        </p:nvCxnSpPr>
+        <p:spPr>
+          <a:xfrm>
+            <a:off x="4572000" y="1362923"/>
+            <a:ext cx="192246" cy="0"/>
+          </a:xfrm>
+          <a:prstGeom prst="straightConnector1">
+            <a:avLst/>
+          </a:prstGeom>
+          <a:ln>
+            <a:tailEnd type="arrow"/>
+          </a:ln>
+        </p:spPr>
+        <p:style>
+          <a:lnRef idx="1">
+            <a:schemeClr val="accent1"/>
+          </a:lnRef>
+          <a:fillRef idx="0">
+            <a:schemeClr val="accent1"/>
+          </a:fillRef>
+          <a:effectRef idx="0">
+            <a:schemeClr val="accent1"/>
+          </a:effectRef>
+          <a:fontRef idx="minor">
+            <a:schemeClr val="tx1"/>
+          </a:fontRef>
+        </p:style>
+      </p:cxnSp>
+      <p:cxnSp>
+        <p:nvCxnSpPr>
+          <p:cNvPr id="69" name="Elbow Connector 68"/>
+          <p:cNvCxnSpPr>
+            <a:stCxn id="7" idx="3"/>
+            <a:endCxn id="24" idx="1"/>
+          </p:cNvCxnSpPr>
+          <p:nvPr/>
+        </p:nvCxnSpPr>
+        <p:spPr>
+          <a:xfrm>
+            <a:off x="1164960" y="2025134"/>
+            <a:ext cx="435240" cy="1022866"/>
+          </a:xfrm>
+          <a:prstGeom prst="bentConnector3">
+            <a:avLst/>
+          </a:prstGeom>
+          <a:ln>
+            <a:tailEnd type="arrow"/>
+          </a:ln>
+        </p:spPr>
+        <p:style>
+          <a:lnRef idx="1">
+            <a:schemeClr val="accent1"/>
+          </a:lnRef>
+          <a:fillRef idx="0">
+            <a:schemeClr val="accent1"/>
+          </a:fillRef>
+          <a:effectRef idx="0">
+            <a:schemeClr val="accent1"/>
+          </a:effectRef>
+          <a:fontRef idx="minor">
+            <a:schemeClr val="tx1"/>
+          </a:fontRef>
+        </p:style>
+      </p:cxnSp>
+      <p:sp>
+        <p:nvSpPr>
+          <p:cNvPr id="71" name="Rectangle 70"/>
+          <p:cNvSpPr/>
+          <p:nvPr/>
+        </p:nvSpPr>
+        <p:spPr>
+          <a:xfrm>
+            <a:off x="4343400" y="3962400"/>
+            <a:ext cx="990600" cy="914400"/>
+          </a:xfrm>
+          <a:prstGeom prst="rect">
+            <a:avLst/>
+          </a:prstGeom>
+        </p:spPr>
+        <p:style>
+          <a:lnRef idx="2">
+            <a:schemeClr val="accent1">
+              <a:shade val="50000"/>
+            </a:schemeClr>
+          </a:lnRef>
+          <a:fillRef idx="1">
+            <a:schemeClr val="accent1"/>
+          </a:fillRef>
+          <a:effectRef idx="0">
+            <a:schemeClr val="accent1"/>
+          </a:effectRef>
+          <a:fontRef idx="minor">
+            <a:schemeClr val="lt1"/>
+          </a:fontRef>
+        </p:style>
+        <p:txBody>
+          <a:bodyPr rtlCol="0" anchor="ctr"/>
+          <a:lstStyle/>
+          <a:p>
+            <a:pPr algn="ctr"/>
+            <a:r>
+              <a:rPr lang="en-US" dirty="0" smtClean="0"/>
+              <a:t>District OSM</a:t>
+            </a:r>
+            <a:endParaRPr lang="en-US" dirty="0"/>
+          </a:p>
+        </p:txBody>
+      </p:sp>
+      <p:cxnSp>
+        <p:nvCxnSpPr>
+          <p:cNvPr id="73" name="Elbow Connector 72"/>
+          <p:cNvCxnSpPr>
+            <a:stCxn id="25" idx="2"/>
+            <a:endCxn id="71" idx="1"/>
+          </p:cNvCxnSpPr>
+          <p:nvPr/>
+        </p:nvCxnSpPr>
+        <p:spPr>
+          <a:xfrm rot="16200000" flipH="1">
+            <a:off x="3657600" y="3733800"/>
+            <a:ext cx="914400" cy="457200"/>
+          </a:xfrm>
+          <a:prstGeom prst="bentConnector2">
+            <a:avLst/>
+          </a:prstGeom>
+          <a:ln>
+            <a:tailEnd type="arrow"/>
+          </a:ln>
+        </p:spPr>
+        <p:style>
+          <a:lnRef idx="1">
+            <a:schemeClr val="accent1"/>
+          </a:lnRef>
+          <a:fillRef idx="0">
+            <a:schemeClr val="accent1"/>
+          </a:fillRef>
+          <a:effectRef idx="0">
+            <a:schemeClr val="accent1"/>
+          </a:effectRef>
+          <a:fontRef idx="minor">
+            <a:schemeClr val="tx1"/>
+          </a:fontRef>
+        </p:style>
+      </p:cxnSp>
+      <p:cxnSp>
+        <p:nvCxnSpPr>
+          <p:cNvPr id="77" name="Elbow Connector 76"/>
+          <p:cNvCxnSpPr>
+            <a:stCxn id="88" idx="3"/>
+            <a:endCxn id="18" idx="3"/>
+          </p:cNvCxnSpPr>
+          <p:nvPr/>
+        </p:nvCxnSpPr>
+        <p:spPr>
+          <a:xfrm flipV="1">
+            <a:off x="6431237" y="3581400"/>
+            <a:ext cx="358226" cy="838200"/>
+          </a:xfrm>
+          <a:prstGeom prst="bentConnector2">
+            <a:avLst/>
+          </a:prstGeom>
+          <a:ln>
+            <a:tailEnd type="arrow"/>
+          </a:ln>
+        </p:spPr>
+        <p:style>
+          <a:lnRef idx="1">
+            <a:schemeClr val="accent1"/>
+          </a:lnRef>
+          <a:fillRef idx="0">
+            <a:schemeClr val="accent1"/>
+          </a:fillRef>
+          <a:effectRef idx="0">
+            <a:schemeClr val="accent1"/>
+          </a:effectRef>
+          <a:fontRef idx="minor">
+            <a:schemeClr val="tx1"/>
+          </a:fontRef>
+        </p:style>
+      </p:cxnSp>
+      <p:cxnSp>
+        <p:nvCxnSpPr>
+          <p:cNvPr id="79" name="Elbow Connector 78"/>
+          <p:cNvCxnSpPr>
+            <a:stCxn id="25" idx="2"/>
+            <a:endCxn id="27" idx="3"/>
+          </p:cNvCxnSpPr>
+          <p:nvPr/>
+        </p:nvCxnSpPr>
+        <p:spPr>
+          <a:xfrm rot="5400000">
+            <a:off x="2705100" y="4229100"/>
+            <a:ext cx="1905000" cy="457200"/>
+          </a:xfrm>
+          <a:prstGeom prst="bentConnector2">
+            <a:avLst/>
+          </a:prstGeom>
+          <a:ln>
+            <a:tailEnd type="arrow"/>
+          </a:ln>
+        </p:spPr>
+        <p:style>
+          <a:lnRef idx="1">
+            <a:schemeClr val="accent1"/>
+          </a:lnRef>
+          <a:fillRef idx="0">
+            <a:schemeClr val="accent1"/>
+          </a:fillRef>
+          <a:effectRef idx="0">
+            <a:schemeClr val="accent1"/>
+          </a:effectRef>
+          <a:fontRef idx="minor">
+            <a:schemeClr val="tx1"/>
+          </a:fontRef>
+        </p:style>
+      </p:cxnSp>
+      <p:sp>
+        <p:nvSpPr>
+          <p:cNvPr id="80" name="Oval 79"/>
+          <p:cNvSpPr/>
+          <p:nvPr/>
+        </p:nvSpPr>
+        <p:spPr>
+          <a:xfrm>
+            <a:off x="384622" y="1122629"/>
+            <a:ext cx="457200" cy="457200"/>
+          </a:xfrm>
+          <a:prstGeom prst="ellipse">
+            <a:avLst/>
+          </a:prstGeom>
+          <a:solidFill>
+            <a:schemeClr val="bg1"/>
+          </a:solidFill>
+          <a:ln>
+            <a:solidFill>
+              <a:schemeClr val="tx1"/>
+            </a:solidFill>
+          </a:ln>
+        </p:spPr>
+        <p:style>
+          <a:lnRef idx="2">
+            <a:schemeClr val="accent1">
+              <a:shade val="50000"/>
+            </a:schemeClr>
+          </a:lnRef>
+          <a:fillRef idx="1">
+            <a:schemeClr val="accent1"/>
+          </a:fillRef>
+          <a:effectRef idx="0">
+            <a:schemeClr val="accent1"/>
+          </a:effectRef>
+          <a:fontRef idx="minor">
+            <a:schemeClr val="lt1"/>
+          </a:fontRef>
+        </p:style>
+        <p:txBody>
+          <a:bodyPr rtlCol="0" anchor="ctr"/>
+          <a:lstStyle/>
+          <a:p>
+            <a:pPr algn="ctr"/>
+            <a:r>
+              <a:rPr lang="en-US" dirty="0" smtClean="0">
+                <a:solidFill>
+                  <a:schemeClr val="tx1"/>
+                </a:solidFill>
+              </a:rPr>
+              <a:t>1</a:t>
+            </a:r>
+            <a:endParaRPr lang="en-US" dirty="0">
+              <a:solidFill>
+                <a:schemeClr val="tx1"/>
+              </a:solidFill>
+            </a:endParaRPr>
+          </a:p>
+        </p:txBody>
+      </p:sp>
+      <p:sp>
+        <p:nvSpPr>
+          <p:cNvPr id="81" name="Oval 80"/>
+          <p:cNvSpPr/>
+          <p:nvPr/>
+        </p:nvSpPr>
+        <p:spPr>
+          <a:xfrm>
+            <a:off x="2885378" y="304800"/>
+            <a:ext cx="457200" cy="457200"/>
+          </a:xfrm>
+          <a:prstGeom prst="ellipse">
+            <a:avLst/>
+          </a:prstGeom>
+          <a:solidFill>
+            <a:schemeClr val="bg1"/>
+          </a:solidFill>
+          <a:ln>
+            <a:solidFill>
+              <a:schemeClr val="tx1"/>
+            </a:solidFill>
+          </a:ln>
+        </p:spPr>
+        <p:style>
+          <a:lnRef idx="2">
+            <a:schemeClr val="accent1">
+              <a:shade val="50000"/>
+            </a:schemeClr>
+          </a:lnRef>
+          <a:fillRef idx="1">
+            <a:schemeClr val="accent1"/>
+          </a:fillRef>
+          <a:effectRef idx="0">
+            <a:schemeClr val="accent1"/>
+          </a:effectRef>
+          <a:fontRef idx="minor">
+            <a:schemeClr val="lt1"/>
+          </a:fontRef>
+        </p:style>
+        <p:txBody>
+          <a:bodyPr rtlCol="0" anchor="ctr"/>
+          <a:lstStyle/>
+          <a:p>
+            <a:pPr algn="ctr"/>
+            <a:r>
+              <a:rPr lang="en-US" dirty="0" smtClean="0">
+                <a:solidFill>
+                  <a:schemeClr val="tx1"/>
+                </a:solidFill>
+              </a:rPr>
+              <a:t>2</a:t>
+            </a:r>
+            <a:endParaRPr lang="en-US" dirty="0">
+              <a:solidFill>
+                <a:schemeClr val="tx1"/>
+              </a:solidFill>
+            </a:endParaRPr>
+          </a:p>
+        </p:txBody>
+      </p:sp>
+      <p:sp>
+        <p:nvSpPr>
+          <p:cNvPr id="82" name="Oval 81"/>
+          <p:cNvSpPr/>
+          <p:nvPr/>
+        </p:nvSpPr>
+        <p:spPr>
+          <a:xfrm>
+            <a:off x="4419600" y="304800"/>
+            <a:ext cx="457200" cy="457200"/>
+          </a:xfrm>
+          <a:prstGeom prst="ellipse">
+            <a:avLst/>
+          </a:prstGeom>
+          <a:solidFill>
+            <a:schemeClr val="bg1"/>
+          </a:solidFill>
+          <a:ln>
+            <a:solidFill>
+              <a:schemeClr val="tx1"/>
+            </a:solidFill>
+          </a:ln>
+        </p:spPr>
+        <p:style>
+          <a:lnRef idx="2">
+            <a:schemeClr val="accent1">
+              <a:shade val="50000"/>
+            </a:schemeClr>
+          </a:lnRef>
+          <a:fillRef idx="1">
+            <a:schemeClr val="accent1"/>
+          </a:fillRef>
+          <a:effectRef idx="0">
+            <a:schemeClr val="accent1"/>
+          </a:effectRef>
+          <a:fontRef idx="minor">
+            <a:schemeClr val="lt1"/>
+          </a:fontRef>
+        </p:style>
+        <p:txBody>
+          <a:bodyPr rtlCol="0" anchor="ctr"/>
+          <a:lstStyle/>
+          <a:p>
+            <a:pPr algn="ctr"/>
+            <a:r>
+              <a:rPr lang="en-US" dirty="0" smtClean="0">
+                <a:solidFill>
+                  <a:schemeClr val="tx1"/>
+                </a:solidFill>
+              </a:rPr>
+              <a:t>3</a:t>
+            </a:r>
+            <a:endParaRPr lang="en-US" dirty="0">
+              <a:solidFill>
+                <a:schemeClr val="tx1"/>
+              </a:solidFill>
+            </a:endParaRPr>
+          </a:p>
+        </p:txBody>
+      </p:sp>
+      <p:sp>
+        <p:nvSpPr>
+          <p:cNvPr id="83" name="Oval 82"/>
+          <p:cNvSpPr/>
+          <p:nvPr/>
+        </p:nvSpPr>
+        <p:spPr>
+          <a:xfrm>
+            <a:off x="2819400" y="2432742"/>
+            <a:ext cx="457200" cy="457200"/>
+          </a:xfrm>
+          <a:prstGeom prst="ellipse">
+            <a:avLst/>
+          </a:prstGeom>
+          <a:solidFill>
+            <a:schemeClr val="bg1"/>
+          </a:solidFill>
+          <a:ln>
+            <a:solidFill>
+              <a:schemeClr val="tx1"/>
+            </a:solidFill>
+          </a:ln>
+        </p:spPr>
+        <p:style>
+          <a:lnRef idx="2">
+            <a:schemeClr val="accent1">
+              <a:shade val="50000"/>
+            </a:schemeClr>
+          </a:lnRef>
+          <a:fillRef idx="1">
+            <a:schemeClr val="accent1"/>
+          </a:fillRef>
+          <a:effectRef idx="0">
+            <a:schemeClr val="accent1"/>
+          </a:effectRef>
+          <a:fontRef idx="minor">
+            <a:schemeClr val="lt1"/>
+          </a:fontRef>
+        </p:style>
+        <p:txBody>
+          <a:bodyPr rtlCol="0" anchor="ctr"/>
+          <a:lstStyle/>
+          <a:p>
+            <a:pPr algn="ctr"/>
+            <a:r>
+              <a:rPr lang="en-US" dirty="0" smtClean="0">
+                <a:solidFill>
+                  <a:schemeClr val="tx1"/>
+                </a:solidFill>
+              </a:rPr>
+              <a:t>4</a:t>
+            </a:r>
+            <a:endParaRPr lang="en-US" dirty="0">
+              <a:solidFill>
+                <a:schemeClr val="tx1"/>
+              </a:solidFill>
+            </a:endParaRPr>
+          </a:p>
+        </p:txBody>
+      </p:sp>
+      <p:sp>
+        <p:nvSpPr>
+          <p:cNvPr id="84" name="Oval 83"/>
+          <p:cNvSpPr/>
+          <p:nvPr/>
+        </p:nvSpPr>
+        <p:spPr>
+          <a:xfrm>
+            <a:off x="2133600" y="4648200"/>
+            <a:ext cx="457200" cy="457200"/>
+          </a:xfrm>
+          <a:prstGeom prst="ellipse">
+            <a:avLst/>
+          </a:prstGeom>
+          <a:solidFill>
+            <a:schemeClr val="bg1"/>
+          </a:solidFill>
+          <a:ln>
+            <a:solidFill>
+              <a:schemeClr val="tx1"/>
+            </a:solidFill>
+          </a:ln>
+        </p:spPr>
+        <p:style>
+          <a:lnRef idx="2">
+            <a:schemeClr val="accent1">
+              <a:shade val="50000"/>
+            </a:schemeClr>
+          </a:lnRef>
+          <a:fillRef idx="1">
+            <a:schemeClr val="accent1"/>
+          </a:fillRef>
+          <a:effectRef idx="0">
+            <a:schemeClr val="accent1"/>
+          </a:effectRef>
+          <a:fontRef idx="minor">
+            <a:schemeClr val="lt1"/>
+          </a:fontRef>
+        </p:style>
+        <p:txBody>
+          <a:bodyPr rtlCol="0" anchor="ctr"/>
+          <a:lstStyle/>
+          <a:p>
+            <a:pPr algn="ctr"/>
+            <a:r>
+              <a:rPr lang="en-US" dirty="0" smtClean="0">
+                <a:solidFill>
+                  <a:schemeClr val="tx1"/>
+                </a:solidFill>
+              </a:rPr>
+              <a:t>6</a:t>
+            </a:r>
+            <a:endParaRPr lang="en-US" dirty="0">
+              <a:solidFill>
+                <a:schemeClr val="tx1"/>
+              </a:solidFill>
+            </a:endParaRPr>
+          </a:p>
+        </p:txBody>
+      </p:sp>
+      <p:sp>
+        <p:nvSpPr>
+          <p:cNvPr id="88" name="Rectangle 87"/>
+          <p:cNvSpPr/>
+          <p:nvPr/>
+        </p:nvSpPr>
+        <p:spPr>
+          <a:xfrm>
+            <a:off x="5608363" y="3962400"/>
+            <a:ext cx="822874" cy="914400"/>
+          </a:xfrm>
+          <a:prstGeom prst="rect">
+            <a:avLst/>
+          </a:prstGeom>
+          <a:solidFill>
+            <a:schemeClr val="accent3">
+              <a:lumMod val="75000"/>
+            </a:schemeClr>
+          </a:solidFill>
+          <a:ln>
+            <a:solidFill>
+              <a:schemeClr val="accent3">
+                <a:lumMod val="50000"/>
+              </a:schemeClr>
+            </a:solidFill>
+          </a:ln>
+        </p:spPr>
+        <p:style>
+          <a:lnRef idx="2">
+            <a:schemeClr val="accent1">
+              <a:shade val="50000"/>
+            </a:schemeClr>
+          </a:lnRef>
+          <a:fillRef idx="1">
+            <a:schemeClr val="accent1"/>
+          </a:fillRef>
+          <a:effectRef idx="0">
+            <a:schemeClr val="accent1"/>
+          </a:effectRef>
+          <a:fontRef idx="minor">
+            <a:schemeClr val="lt1"/>
+          </a:fontRef>
+        </p:style>
+        <p:txBody>
+          <a:bodyPr rtlCol="0" anchor="ctr"/>
+          <a:lstStyle/>
+          <a:p>
+            <a:pPr algn="ctr"/>
+            <a:r>
+              <a:rPr lang="en-US" dirty="0" smtClean="0"/>
+              <a:t>Energy</a:t>
+            </a:r>
+          </a:p>
+          <a:p>
+            <a:pPr algn="ctr"/>
+            <a:r>
+              <a:rPr lang="en-US" dirty="0" smtClean="0"/>
+              <a:t>Plus</a:t>
+            </a:r>
+            <a:endParaRPr lang="en-US" dirty="0"/>
+          </a:p>
+        </p:txBody>
+      </p:sp>
+      <p:cxnSp>
+        <p:nvCxnSpPr>
+          <p:cNvPr id="92" name="Straight Arrow Connector 91"/>
+          <p:cNvCxnSpPr>
+            <a:stCxn id="71" idx="3"/>
+            <a:endCxn id="88" idx="1"/>
+          </p:cNvCxnSpPr>
+          <p:nvPr/>
+        </p:nvCxnSpPr>
+        <p:spPr>
+          <a:xfrm>
+            <a:off x="5334000" y="4419600"/>
+            <a:ext cx="274363" cy="0"/>
+          </a:xfrm>
+          <a:prstGeom prst="straightConnector1">
+            <a:avLst/>
+          </a:prstGeom>
+          <a:ln>
+            <a:tailEnd type="arrow"/>
+          </a:ln>
+        </p:spPr>
+        <p:style>
+          <a:lnRef idx="1">
+            <a:schemeClr val="accent1"/>
+          </a:lnRef>
+          <a:fillRef idx="0">
+            <a:schemeClr val="accent1"/>
+          </a:fillRef>
+          <a:effectRef idx="0">
+            <a:schemeClr val="accent1"/>
+          </a:effectRef>
+          <a:fontRef idx="minor">
+            <a:schemeClr val="tx1"/>
+          </a:fontRef>
+        </p:style>
+      </p:cxnSp>
+      <p:sp>
+        <p:nvSpPr>
+          <p:cNvPr id="93" name="Oval 92"/>
+          <p:cNvSpPr/>
+          <p:nvPr/>
+        </p:nvSpPr>
+        <p:spPr>
+          <a:xfrm>
+            <a:off x="4038600" y="3733800"/>
+            <a:ext cx="457200" cy="457200"/>
+          </a:xfrm>
+          <a:prstGeom prst="ellipse">
+            <a:avLst/>
+          </a:prstGeom>
+          <a:solidFill>
+            <a:schemeClr val="bg1"/>
+          </a:solidFill>
+          <a:ln>
+            <a:solidFill>
+              <a:schemeClr val="tx1"/>
+            </a:solidFill>
+          </a:ln>
+        </p:spPr>
+        <p:style>
+          <a:lnRef idx="2">
+            <a:schemeClr val="accent1">
+              <a:shade val="50000"/>
+            </a:schemeClr>
+          </a:lnRef>
+          <a:fillRef idx="1">
+            <a:schemeClr val="accent1"/>
+          </a:fillRef>
+          <a:effectRef idx="0">
+            <a:schemeClr val="accent1"/>
+          </a:effectRef>
+          <a:fontRef idx="minor">
+            <a:schemeClr val="lt1"/>
+          </a:fontRef>
+        </p:style>
+        <p:txBody>
+          <a:bodyPr rtlCol="0" anchor="ctr"/>
+          <a:lstStyle/>
+          <a:p>
+            <a:pPr algn="ctr"/>
+            <a:r>
+              <a:rPr lang="en-US" dirty="0" smtClean="0">
+                <a:solidFill>
+                  <a:schemeClr val="tx1"/>
+                </a:solidFill>
+              </a:rPr>
+              <a:t>5</a:t>
+            </a:r>
+            <a:endParaRPr lang="en-US" dirty="0">
+              <a:solidFill>
+                <a:schemeClr val="tx1"/>
+              </a:solidFill>
+            </a:endParaRPr>
+          </a:p>
+        </p:txBody>
+      </p:sp>
+      <p:sp>
+        <p:nvSpPr>
+          <p:cNvPr id="43" name="TextBox 42"/>
+          <p:cNvSpPr txBox="1"/>
+          <p:nvPr/>
+        </p:nvSpPr>
+        <p:spPr>
+          <a:xfrm>
+            <a:off x="49041" y="5562600"/>
+            <a:ext cx="1349537" cy="646331"/>
+          </a:xfrm>
+          <a:prstGeom prst="rect">
+            <a:avLst/>
+          </a:prstGeom>
+          <a:noFill/>
+        </p:spPr>
+        <p:txBody>
+          <a:bodyPr wrap="none" rtlCol="0">
+            <a:spAutoFit/>
+          </a:bodyPr>
+          <a:lstStyle/>
+          <a:p>
+            <a:pPr algn="ctr"/>
+            <a:r>
+              <a:rPr lang="en-US" dirty="0" smtClean="0"/>
+              <a:t>NREL </a:t>
+            </a:r>
+            <a:r>
+              <a:rPr lang="en-US" dirty="0" smtClean="0"/>
+              <a:t>Insight</a:t>
+            </a:r>
+          </a:p>
+          <a:p>
+            <a:pPr algn="ctr"/>
+            <a:r>
+              <a:rPr lang="en-US" dirty="0" smtClean="0"/>
+              <a:t>Center</a:t>
+            </a:r>
+            <a:endParaRPr lang="en-US" dirty="0"/>
+          </a:p>
+        </p:txBody>
+      </p:sp>
+      <p:cxnSp>
+        <p:nvCxnSpPr>
+          <p:cNvPr id="9" name="Elbow Connector 8"/>
+          <p:cNvCxnSpPr>
+            <a:stCxn id="27" idx="1"/>
+            <a:endCxn id="34" idx="3"/>
+          </p:cNvCxnSpPr>
+          <p:nvPr/>
+        </p:nvCxnSpPr>
+        <p:spPr>
+          <a:xfrm rot="10800000">
+            <a:off x="1382442" y="5061466"/>
+            <a:ext cx="1132158" cy="348734"/>
+          </a:xfrm>
+          <a:prstGeom prst="bentConnector3">
+            <a:avLst/>
+          </a:prstGeom>
+          <a:ln>
+            <a:tailEnd type="arrow"/>
+          </a:ln>
+        </p:spPr>
+        <p:style>
+          <a:lnRef idx="1">
+            <a:schemeClr val="accent1"/>
+          </a:lnRef>
+          <a:fillRef idx="0">
+            <a:schemeClr val="accent1"/>
+          </a:fillRef>
+          <a:effectRef idx="0">
+            <a:schemeClr val="accent1"/>
+          </a:effectRef>
+          <a:fontRef idx="minor">
+            <a:schemeClr val="tx1"/>
+          </a:fontRef>
+        </p:style>
+      </p:cxnSp>
+      <p:cxnSp>
+        <p:nvCxnSpPr>
+          <p:cNvPr id="11" name="Elbow Connector 10"/>
+          <p:cNvCxnSpPr>
+            <a:stCxn id="27" idx="1"/>
+            <a:endCxn id="43" idx="3"/>
+          </p:cNvCxnSpPr>
+          <p:nvPr/>
+        </p:nvCxnSpPr>
+        <p:spPr>
+          <a:xfrm rot="10800000" flipV="1">
+            <a:off x="1398578" y="5410200"/>
+            <a:ext cx="1116022" cy="475566"/>
+          </a:xfrm>
+          <a:prstGeom prst="bentConnector3">
+            <a:avLst/>
+          </a:prstGeom>
+          <a:ln>
+            <a:tailEnd type="arrow"/>
+          </a:ln>
+        </p:spPr>
+        <p:style>
+          <a:lnRef idx="1">
+            <a:schemeClr val="accent1"/>
+          </a:lnRef>
+          <a:fillRef idx="0">
+            <a:schemeClr val="accent1"/>
+          </a:fillRef>
+          <a:effectRef idx="0">
+            <a:schemeClr val="accent1"/>
+          </a:effectRef>
+          <a:fontRef idx="minor">
+            <a:schemeClr val="tx1"/>
+          </a:fontRef>
+        </p:style>
+      </p:cxnSp>
+    </p:spTree>
+    <p:extLst>
+      <p:ext uri="{BB962C8B-B14F-4D97-AF65-F5344CB8AC3E}">
+        <p14:creationId xmlns:p14="http://schemas.microsoft.com/office/powerpoint/2010/main" val="2169795933"/>
+      </p:ext>
+    </p:extLst>
+  </p:cSld>
+  <p:clrMapOvr>
+    <a:masterClrMapping/>
+  </p:clrMapOvr>
+</p:sld>
 </file>
 
 <file path=ppt/theme/theme1.xml><?xml version="1.0" encoding="utf-8"?>

--- a/overview.pptx
+++ b/overview.pptx
@@ -4,8 +4,13 @@
   <p:sldMasterIdLst>
     <p:sldMasterId id="2147483648" r:id="rId1"/>
   </p:sldMasterIdLst>
+  <p:notesMasterIdLst>
+    <p:notesMasterId r:id="rId5"/>
+  </p:notesMasterIdLst>
   <p:sldIdLst>
     <p:sldId id="256" r:id="rId2"/>
+    <p:sldId id="257" r:id="rId3"/>
+    <p:sldId id="258" r:id="rId4"/>
   </p:sldIdLst>
   <p:sldSz cx="9144000" cy="6858000" type="screen4x3"/>
   <p:notesSz cx="6858000" cy="9144000"/>
@@ -107,6 +112,440 @@
 </p:presentation>
 </file>
 
+<file path=ppt/notesMasters/notesMaster1.xml><?xml version="1.0" encoding="utf-8"?>
+<p:notesMaster xmlns:a="http://schemas.openxmlformats.org/drawingml/2006/main" xmlns:r="http://schemas.openxmlformats.org/officeDocument/2006/relationships" xmlns:p="http://schemas.openxmlformats.org/presentationml/2006/main">
+  <p:cSld>
+    <p:bg>
+      <p:bgRef idx="1001">
+        <a:schemeClr val="bg1"/>
+      </p:bgRef>
+    </p:bg>
+    <p:spTree>
+      <p:nvGrpSpPr>
+        <p:cNvPr id="1" name=""/>
+        <p:cNvGrpSpPr/>
+        <p:nvPr/>
+      </p:nvGrpSpPr>
+      <p:grpSpPr>
+        <a:xfrm>
+          <a:off x="0" y="0"/>
+          <a:ext cx="0" cy="0"/>
+          <a:chOff x="0" y="0"/>
+          <a:chExt cx="0" cy="0"/>
+        </a:xfrm>
+      </p:grpSpPr>
+      <p:sp>
+        <p:nvSpPr>
+          <p:cNvPr id="2" name="Header Placeholder 1"/>
+          <p:cNvSpPr>
+            <a:spLocks noGrp="1"/>
+          </p:cNvSpPr>
+          <p:nvPr>
+            <p:ph type="hdr" sz="quarter"/>
+          </p:nvPr>
+        </p:nvSpPr>
+        <p:spPr>
+          <a:xfrm>
+            <a:off x="0" y="0"/>
+            <a:ext cx="2971800" cy="457200"/>
+          </a:xfrm>
+          <a:prstGeom prst="rect">
+            <a:avLst/>
+          </a:prstGeom>
+        </p:spPr>
+        <p:txBody>
+          <a:bodyPr vert="horz" lIns="91440" tIns="45720" rIns="91440" bIns="45720" rtlCol="0"/>
+          <a:lstStyle>
+            <a:lvl1pPr algn="l">
+              <a:defRPr sz="1200"/>
+            </a:lvl1pPr>
+          </a:lstStyle>
+          <a:p>
+            <a:endParaRPr lang="en-US"/>
+          </a:p>
+        </p:txBody>
+      </p:sp>
+      <p:sp>
+        <p:nvSpPr>
+          <p:cNvPr id="3" name="Date Placeholder 2"/>
+          <p:cNvSpPr>
+            <a:spLocks noGrp="1"/>
+          </p:cNvSpPr>
+          <p:nvPr>
+            <p:ph type="dt" idx="1"/>
+          </p:nvPr>
+        </p:nvSpPr>
+        <p:spPr>
+          <a:xfrm>
+            <a:off x="3884613" y="0"/>
+            <a:ext cx="2971800" cy="457200"/>
+          </a:xfrm>
+          <a:prstGeom prst="rect">
+            <a:avLst/>
+          </a:prstGeom>
+        </p:spPr>
+        <p:txBody>
+          <a:bodyPr vert="horz" lIns="91440" tIns="45720" rIns="91440" bIns="45720" rtlCol="0"/>
+          <a:lstStyle>
+            <a:lvl1pPr algn="r">
+              <a:defRPr sz="1200"/>
+            </a:lvl1pPr>
+          </a:lstStyle>
+          <a:p>
+            <a:fld id="{2A3B7CE7-EE1E-4CD4-BC17-F6E75B94703E}" type="datetimeFigureOut">
+              <a:rPr lang="en-US" smtClean="0"/>
+              <a:t>1/20/2016</a:t>
+            </a:fld>
+            <a:endParaRPr lang="en-US"/>
+          </a:p>
+        </p:txBody>
+      </p:sp>
+      <p:sp>
+        <p:nvSpPr>
+          <p:cNvPr id="4" name="Slide Image Placeholder 3"/>
+          <p:cNvSpPr>
+            <a:spLocks noGrp="1" noRot="1" noChangeAspect="1"/>
+          </p:cNvSpPr>
+          <p:nvPr>
+            <p:ph type="sldImg" idx="2"/>
+          </p:nvPr>
+        </p:nvSpPr>
+        <p:spPr>
+          <a:xfrm>
+            <a:off x="1143000" y="685800"/>
+            <a:ext cx="4572000" cy="3429000"/>
+          </a:xfrm>
+          <a:prstGeom prst="rect">
+            <a:avLst/>
+          </a:prstGeom>
+          <a:noFill/>
+          <a:ln w="12700">
+            <a:solidFill>
+              <a:prstClr val="black"/>
+            </a:solidFill>
+          </a:ln>
+        </p:spPr>
+        <p:txBody>
+          <a:bodyPr vert="horz" lIns="91440" tIns="45720" rIns="91440" bIns="45720" rtlCol="0" anchor="ctr"/>
+          <a:lstStyle/>
+          <a:p>
+            <a:endParaRPr lang="en-US"/>
+          </a:p>
+        </p:txBody>
+      </p:sp>
+      <p:sp>
+        <p:nvSpPr>
+          <p:cNvPr id="5" name="Notes Placeholder 4"/>
+          <p:cNvSpPr>
+            <a:spLocks noGrp="1"/>
+          </p:cNvSpPr>
+          <p:nvPr>
+            <p:ph type="body" sz="quarter" idx="3"/>
+          </p:nvPr>
+        </p:nvSpPr>
+        <p:spPr>
+          <a:xfrm>
+            <a:off x="685800" y="4343400"/>
+            <a:ext cx="5486400" cy="4114800"/>
+          </a:xfrm>
+          <a:prstGeom prst="rect">
+            <a:avLst/>
+          </a:prstGeom>
+        </p:spPr>
+        <p:txBody>
+          <a:bodyPr vert="horz" lIns="91440" tIns="45720" rIns="91440" bIns="45720" rtlCol="0"/>
+          <a:lstStyle/>
+          <a:p>
+            <a:pPr lvl="0"/>
+            <a:r>
+              <a:rPr lang="en-US" smtClean="0"/>
+              <a:t>Click to edit Master text styles</a:t>
+            </a:r>
+          </a:p>
+          <a:p>
+            <a:pPr lvl="1"/>
+            <a:r>
+              <a:rPr lang="en-US" smtClean="0"/>
+              <a:t>Second level</a:t>
+            </a:r>
+          </a:p>
+          <a:p>
+            <a:pPr lvl="2"/>
+            <a:r>
+              <a:rPr lang="en-US" smtClean="0"/>
+              <a:t>Third level</a:t>
+            </a:r>
+          </a:p>
+          <a:p>
+            <a:pPr lvl="3"/>
+            <a:r>
+              <a:rPr lang="en-US" smtClean="0"/>
+              <a:t>Fourth level</a:t>
+            </a:r>
+          </a:p>
+          <a:p>
+            <a:pPr lvl="4"/>
+            <a:r>
+              <a:rPr lang="en-US" smtClean="0"/>
+              <a:t>Fifth level</a:t>
+            </a:r>
+            <a:endParaRPr lang="en-US"/>
+          </a:p>
+        </p:txBody>
+      </p:sp>
+      <p:sp>
+        <p:nvSpPr>
+          <p:cNvPr id="6" name="Footer Placeholder 5"/>
+          <p:cNvSpPr>
+            <a:spLocks noGrp="1"/>
+          </p:cNvSpPr>
+          <p:nvPr>
+            <p:ph type="ftr" sz="quarter" idx="4"/>
+          </p:nvPr>
+        </p:nvSpPr>
+        <p:spPr>
+          <a:xfrm>
+            <a:off x="0" y="8685213"/>
+            <a:ext cx="2971800" cy="457200"/>
+          </a:xfrm>
+          <a:prstGeom prst="rect">
+            <a:avLst/>
+          </a:prstGeom>
+        </p:spPr>
+        <p:txBody>
+          <a:bodyPr vert="horz" lIns="91440" tIns="45720" rIns="91440" bIns="45720" rtlCol="0" anchor="b"/>
+          <a:lstStyle>
+            <a:lvl1pPr algn="l">
+              <a:defRPr sz="1200"/>
+            </a:lvl1pPr>
+          </a:lstStyle>
+          <a:p>
+            <a:endParaRPr lang="en-US"/>
+          </a:p>
+        </p:txBody>
+      </p:sp>
+      <p:sp>
+        <p:nvSpPr>
+          <p:cNvPr id="7" name="Slide Number Placeholder 6"/>
+          <p:cNvSpPr>
+            <a:spLocks noGrp="1"/>
+          </p:cNvSpPr>
+          <p:nvPr>
+            <p:ph type="sldNum" sz="quarter" idx="5"/>
+          </p:nvPr>
+        </p:nvSpPr>
+        <p:spPr>
+          <a:xfrm>
+            <a:off x="3884613" y="8685213"/>
+            <a:ext cx="2971800" cy="457200"/>
+          </a:xfrm>
+          <a:prstGeom prst="rect">
+            <a:avLst/>
+          </a:prstGeom>
+        </p:spPr>
+        <p:txBody>
+          <a:bodyPr vert="horz" lIns="91440" tIns="45720" rIns="91440" bIns="45720" rtlCol="0" anchor="b"/>
+          <a:lstStyle>
+            <a:lvl1pPr algn="r">
+              <a:defRPr sz="1200"/>
+            </a:lvl1pPr>
+          </a:lstStyle>
+          <a:p>
+            <a:fld id="{C59FB25C-77CD-4DF7-A27D-7999B0DDC862}" type="slidenum">
+              <a:rPr lang="en-US" smtClean="0"/>
+              <a:t>‹#›</a:t>
+            </a:fld>
+            <a:endParaRPr lang="en-US"/>
+          </a:p>
+        </p:txBody>
+      </p:sp>
+    </p:spTree>
+    <p:extLst>
+      <p:ext uri="{BB962C8B-B14F-4D97-AF65-F5344CB8AC3E}">
+        <p14:creationId xmlns:p14="http://schemas.microsoft.com/office/powerpoint/2010/main" val="3536383751"/>
+      </p:ext>
+    </p:extLst>
+  </p:cSld>
+  <p:clrMap bg1="lt1" tx1="dk1" bg2="lt2" tx2="dk2" accent1="accent1" accent2="accent2" accent3="accent3" accent4="accent4" accent5="accent5" accent6="accent6" hlink="hlink" folHlink="folHlink"/>
+  <p:notesStyle>
+    <a:lvl1pPr marL="0" algn="l" defTabSz="914400" rtl="0" eaLnBrk="1" latinLnBrk="0" hangingPunct="1">
+      <a:defRPr sz="1200" kern="1200">
+        <a:solidFill>
+          <a:schemeClr val="tx1"/>
+        </a:solidFill>
+        <a:latin typeface="+mn-lt"/>
+        <a:ea typeface="+mn-ea"/>
+        <a:cs typeface="+mn-cs"/>
+      </a:defRPr>
+    </a:lvl1pPr>
+    <a:lvl2pPr marL="457200" algn="l" defTabSz="914400" rtl="0" eaLnBrk="1" latinLnBrk="0" hangingPunct="1">
+      <a:defRPr sz="1200" kern="1200">
+        <a:solidFill>
+          <a:schemeClr val="tx1"/>
+        </a:solidFill>
+        <a:latin typeface="+mn-lt"/>
+        <a:ea typeface="+mn-ea"/>
+        <a:cs typeface="+mn-cs"/>
+      </a:defRPr>
+    </a:lvl2pPr>
+    <a:lvl3pPr marL="914400" algn="l" defTabSz="914400" rtl="0" eaLnBrk="1" latinLnBrk="0" hangingPunct="1">
+      <a:defRPr sz="1200" kern="1200">
+        <a:solidFill>
+          <a:schemeClr val="tx1"/>
+        </a:solidFill>
+        <a:latin typeface="+mn-lt"/>
+        <a:ea typeface="+mn-ea"/>
+        <a:cs typeface="+mn-cs"/>
+      </a:defRPr>
+    </a:lvl3pPr>
+    <a:lvl4pPr marL="1371600" algn="l" defTabSz="914400" rtl="0" eaLnBrk="1" latinLnBrk="0" hangingPunct="1">
+      <a:defRPr sz="1200" kern="1200">
+        <a:solidFill>
+          <a:schemeClr val="tx1"/>
+        </a:solidFill>
+        <a:latin typeface="+mn-lt"/>
+        <a:ea typeface="+mn-ea"/>
+        <a:cs typeface="+mn-cs"/>
+      </a:defRPr>
+    </a:lvl4pPr>
+    <a:lvl5pPr marL="1828800" algn="l" defTabSz="914400" rtl="0" eaLnBrk="1" latinLnBrk="0" hangingPunct="1">
+      <a:defRPr sz="1200" kern="1200">
+        <a:solidFill>
+          <a:schemeClr val="tx1"/>
+        </a:solidFill>
+        <a:latin typeface="+mn-lt"/>
+        <a:ea typeface="+mn-ea"/>
+        <a:cs typeface="+mn-cs"/>
+      </a:defRPr>
+    </a:lvl5pPr>
+    <a:lvl6pPr marL="2286000" algn="l" defTabSz="914400" rtl="0" eaLnBrk="1" latinLnBrk="0" hangingPunct="1">
+      <a:defRPr sz="1200" kern="1200">
+        <a:solidFill>
+          <a:schemeClr val="tx1"/>
+        </a:solidFill>
+        <a:latin typeface="+mn-lt"/>
+        <a:ea typeface="+mn-ea"/>
+        <a:cs typeface="+mn-cs"/>
+      </a:defRPr>
+    </a:lvl6pPr>
+    <a:lvl7pPr marL="2743200" algn="l" defTabSz="914400" rtl="0" eaLnBrk="1" latinLnBrk="0" hangingPunct="1">
+      <a:defRPr sz="1200" kern="1200">
+        <a:solidFill>
+          <a:schemeClr val="tx1"/>
+        </a:solidFill>
+        <a:latin typeface="+mn-lt"/>
+        <a:ea typeface="+mn-ea"/>
+        <a:cs typeface="+mn-cs"/>
+      </a:defRPr>
+    </a:lvl7pPr>
+    <a:lvl8pPr marL="3200400" algn="l" defTabSz="914400" rtl="0" eaLnBrk="1" latinLnBrk="0" hangingPunct="1">
+      <a:defRPr sz="1200" kern="1200">
+        <a:solidFill>
+          <a:schemeClr val="tx1"/>
+        </a:solidFill>
+        <a:latin typeface="+mn-lt"/>
+        <a:ea typeface="+mn-ea"/>
+        <a:cs typeface="+mn-cs"/>
+      </a:defRPr>
+    </a:lvl8pPr>
+    <a:lvl9pPr marL="3657600" algn="l" defTabSz="914400" rtl="0" eaLnBrk="1" latinLnBrk="0" hangingPunct="1">
+      <a:defRPr sz="1200" kern="1200">
+        <a:solidFill>
+          <a:schemeClr val="tx1"/>
+        </a:solidFill>
+        <a:latin typeface="+mn-lt"/>
+        <a:ea typeface="+mn-ea"/>
+        <a:cs typeface="+mn-cs"/>
+      </a:defRPr>
+    </a:lvl9pPr>
+  </p:notesStyle>
+</p:notesMaster>
+</file>
+
+<file path=ppt/notesSlides/notesSlide1.xml><?xml version="1.0" encoding="utf-8"?>
+<p:notes xmlns:a="http://schemas.openxmlformats.org/drawingml/2006/main" xmlns:r="http://schemas.openxmlformats.org/officeDocument/2006/relationships" xmlns:p="http://schemas.openxmlformats.org/presentationml/2006/main">
+  <p:cSld>
+    <p:spTree>
+      <p:nvGrpSpPr>
+        <p:cNvPr id="1" name=""/>
+        <p:cNvGrpSpPr/>
+        <p:nvPr/>
+      </p:nvGrpSpPr>
+      <p:grpSpPr>
+        <a:xfrm>
+          <a:off x="0" y="0"/>
+          <a:ext cx="0" cy="0"/>
+          <a:chOff x="0" y="0"/>
+          <a:chExt cx="0" cy="0"/>
+        </a:xfrm>
+      </p:grpSpPr>
+      <p:sp>
+        <p:nvSpPr>
+          <p:cNvPr id="2" name="Slide Image Placeholder 1"/>
+          <p:cNvSpPr>
+            <a:spLocks noGrp="1" noRot="1" noChangeAspect="1"/>
+          </p:cNvSpPr>
+          <p:nvPr>
+            <p:ph type="sldImg"/>
+          </p:nvPr>
+        </p:nvSpPr>
+        <p:spPr/>
+      </p:sp>
+      <p:sp>
+        <p:nvSpPr>
+          <p:cNvPr id="3" name="Notes Placeholder 2"/>
+          <p:cNvSpPr>
+            <a:spLocks noGrp="1"/>
+          </p:cNvSpPr>
+          <p:nvPr>
+            <p:ph type="body" idx="1"/>
+          </p:nvPr>
+        </p:nvSpPr>
+        <p:spPr/>
+        <p:txBody>
+          <a:bodyPr/>
+          <a:lstStyle/>
+          <a:p>
+            <a:endParaRPr lang="en-US" dirty="0"/>
+          </a:p>
+        </p:txBody>
+      </p:sp>
+      <p:sp>
+        <p:nvSpPr>
+          <p:cNvPr id="4" name="Slide Number Placeholder 3"/>
+          <p:cNvSpPr>
+            <a:spLocks noGrp="1"/>
+          </p:cNvSpPr>
+          <p:nvPr>
+            <p:ph type="sldNum" sz="quarter" idx="10"/>
+          </p:nvPr>
+        </p:nvSpPr>
+        <p:spPr/>
+        <p:txBody>
+          <a:bodyPr/>
+          <a:lstStyle/>
+          <a:p>
+            <a:fld id="{C59FB25C-77CD-4DF7-A27D-7999B0DDC862}" type="slidenum">
+              <a:rPr lang="en-US" smtClean="0"/>
+              <a:t>2</a:t>
+            </a:fld>
+            <a:endParaRPr lang="en-US"/>
+          </a:p>
+        </p:txBody>
+      </p:sp>
+    </p:spTree>
+    <p:extLst>
+      <p:ext uri="{BB962C8B-B14F-4D97-AF65-F5344CB8AC3E}">
+        <p14:creationId xmlns:p14="http://schemas.microsoft.com/office/powerpoint/2010/main" val="3364975723"/>
+      </p:ext>
+    </p:extLst>
+  </p:cSld>
+  <p:clrMapOvr>
+    <a:masterClrMapping/>
+  </p:clrMapOvr>
+</p:notes>
+</file>
+
 <file path=ppt/slideLayouts/slideLayout1.xml><?xml version="1.0" encoding="utf-8"?>
 <p:sldLayout xmlns:a="http://schemas.openxmlformats.org/drawingml/2006/main" xmlns:r="http://schemas.openxmlformats.org/officeDocument/2006/relationships" xmlns:p="http://schemas.openxmlformats.org/presentationml/2006/main" type="title" preserve="1">
   <p:cSld name="Title Slide">
@@ -289,7 +728,7 @@
             <a:fld id="{1D8BD707-D9CF-40AE-B4C6-C98DA3205C09}" type="datetimeFigureOut">
               <a:rPr lang="en-US" smtClean="0"/>
               <a:pPr/>
-              <a:t>1/6/2016</a:t>
+              <a:t>1/20/2016</a:t>
             </a:fld>
             <a:endParaRPr lang="en-US"/>
           </a:p>
@@ -456,7 +895,7 @@
             <a:fld id="{1D8BD707-D9CF-40AE-B4C6-C98DA3205C09}" type="datetimeFigureOut">
               <a:rPr lang="en-US" smtClean="0"/>
               <a:pPr/>
-              <a:t>1/6/2016</a:t>
+              <a:t>1/20/2016</a:t>
             </a:fld>
             <a:endParaRPr lang="en-US"/>
           </a:p>
@@ -633,7 +1072,7 @@
             <a:fld id="{1D8BD707-D9CF-40AE-B4C6-C98DA3205C09}" type="datetimeFigureOut">
               <a:rPr lang="en-US" smtClean="0"/>
               <a:pPr/>
-              <a:t>1/6/2016</a:t>
+              <a:t>1/20/2016</a:t>
             </a:fld>
             <a:endParaRPr lang="en-US"/>
           </a:p>
@@ -800,7 +1239,7 @@
             <a:fld id="{1D8BD707-D9CF-40AE-B4C6-C98DA3205C09}" type="datetimeFigureOut">
               <a:rPr lang="en-US" smtClean="0"/>
               <a:pPr/>
-              <a:t>1/6/2016</a:t>
+              <a:t>1/20/2016</a:t>
             </a:fld>
             <a:endParaRPr lang="en-US"/>
           </a:p>
@@ -1043,7 +1482,7 @@
             <a:fld id="{1D8BD707-D9CF-40AE-B4C6-C98DA3205C09}" type="datetimeFigureOut">
               <a:rPr lang="en-US" smtClean="0"/>
               <a:pPr/>
-              <a:t>1/6/2016</a:t>
+              <a:t>1/20/2016</a:t>
             </a:fld>
             <a:endParaRPr lang="en-US"/>
           </a:p>
@@ -1328,7 +1767,7 @@
             <a:fld id="{1D8BD707-D9CF-40AE-B4C6-C98DA3205C09}" type="datetimeFigureOut">
               <a:rPr lang="en-US" smtClean="0"/>
               <a:pPr/>
-              <a:t>1/6/2016</a:t>
+              <a:t>1/20/2016</a:t>
             </a:fld>
             <a:endParaRPr lang="en-US"/>
           </a:p>
@@ -1747,7 +2186,7 @@
             <a:fld id="{1D8BD707-D9CF-40AE-B4C6-C98DA3205C09}" type="datetimeFigureOut">
               <a:rPr lang="en-US" smtClean="0"/>
               <a:pPr/>
-              <a:t>1/6/2016</a:t>
+              <a:t>1/20/2016</a:t>
             </a:fld>
             <a:endParaRPr lang="en-US"/>
           </a:p>
@@ -1862,7 +2301,7 @@
             <a:fld id="{1D8BD707-D9CF-40AE-B4C6-C98DA3205C09}" type="datetimeFigureOut">
               <a:rPr lang="en-US" smtClean="0"/>
               <a:pPr/>
-              <a:t>1/6/2016</a:t>
+              <a:t>1/20/2016</a:t>
             </a:fld>
             <a:endParaRPr lang="en-US"/>
           </a:p>
@@ -1954,7 +2393,7 @@
             <a:fld id="{1D8BD707-D9CF-40AE-B4C6-C98DA3205C09}" type="datetimeFigureOut">
               <a:rPr lang="en-US" smtClean="0"/>
               <a:pPr/>
-              <a:t>1/6/2016</a:t>
+              <a:t>1/20/2016</a:t>
             </a:fld>
             <a:endParaRPr lang="en-US"/>
           </a:p>
@@ -2228,7 +2667,7 @@
             <a:fld id="{1D8BD707-D9CF-40AE-B4C6-C98DA3205C09}" type="datetimeFigureOut">
               <a:rPr lang="en-US" smtClean="0"/>
               <a:pPr/>
-              <a:t>1/6/2016</a:t>
+              <a:t>1/20/2016</a:t>
             </a:fld>
             <a:endParaRPr lang="en-US"/>
           </a:p>
@@ -2478,7 +2917,7 @@
             <a:fld id="{1D8BD707-D9CF-40AE-B4C6-C98DA3205C09}" type="datetimeFigureOut">
               <a:rPr lang="en-US" smtClean="0"/>
               <a:pPr/>
-              <a:t>1/6/2016</a:t>
+              <a:t>1/20/2016</a:t>
             </a:fld>
             <a:endParaRPr lang="en-US"/>
           </a:p>
@@ -2688,7 +3127,7 @@
             <a:fld id="{1D8BD707-D9CF-40AE-B4C6-C98DA3205C09}" type="datetimeFigureOut">
               <a:rPr lang="en-US" smtClean="0"/>
               <a:pPr/>
-              <a:t>1/6/2016</a:t>
+              <a:t>1/20/2016</a:t>
             </a:fld>
             <a:endParaRPr lang="en-US"/>
           </a:p>
@@ -3170,8 +3609,8 @@
         </p:nvSpPr>
         <p:spPr>
           <a:xfrm>
-            <a:off x="133909" y="533400"/>
-            <a:ext cx="1031051" cy="369332"/>
+            <a:off x="133909" y="457200"/>
+            <a:ext cx="927370" cy="646331"/>
           </a:xfrm>
           <a:prstGeom prst="rect">
             <a:avLst/>
@@ -3186,7 +3625,13 @@
           <a:p>
             <a:r>
               <a:rPr lang="en-US" dirty="0" smtClean="0"/>
-              <a:t>NREL GIS</a:t>
+              <a:t>Public </a:t>
+            </a:r>
+          </a:p>
+          <a:p>
+            <a:r>
+              <a:rPr lang="en-US" dirty="0" smtClean="0"/>
+              <a:t>Records</a:t>
             </a:r>
             <a:endParaRPr lang="en-US" dirty="0"/>
           </a:p>
@@ -3832,11 +4277,13 @@
         </p:nvCxnSpPr>
         <p:spPr>
           <a:xfrm>
-            <a:off x="1164960" y="718066"/>
-            <a:ext cx="435240" cy="644857"/>
+            <a:off x="1061279" y="780366"/>
+            <a:ext cx="538921" cy="582557"/>
           </a:xfrm>
           <a:prstGeom prst="bentConnector3">
-            <a:avLst/>
+            <a:avLst>
+              <a:gd name="adj1" fmla="val 50000"/>
+            </a:avLst>
           </a:prstGeom>
           <a:ln>
             <a:tailEnd type="arrow"/>
@@ -3938,6 +4385,7 @@
               <a:rPr lang="en-US" dirty="0" smtClean="0"/>
               <a:t> Geo JSON</a:t>
             </a:r>
+            <a:endParaRPr lang="en-US" dirty="0" smtClean="0"/>
           </a:p>
         </p:txBody>
       </p:sp>
@@ -4867,11 +5315,7 @@
             <a:pPr algn="ctr"/>
             <a:r>
               <a:rPr lang="en-US" dirty="0" smtClean="0"/>
-              <a:t>NREL </a:t>
-            </a:r>
-            <a:r>
-              <a:rPr lang="en-US" dirty="0" smtClean="0"/>
-              <a:t>Insight</a:t>
+              <a:t>NREL Insight</a:t>
             </a:r>
           </a:p>
           <a:p>
@@ -4960,6 +5404,2905 @@
     <p:extLst>
       <p:ext uri="{BB962C8B-B14F-4D97-AF65-F5344CB8AC3E}">
         <p14:creationId xmlns:p14="http://schemas.microsoft.com/office/powerpoint/2010/main" val="2169795933"/>
+      </p:ext>
+    </p:extLst>
+  </p:cSld>
+  <p:clrMapOvr>
+    <a:masterClrMapping/>
+  </p:clrMapOvr>
+</p:sld>
+</file>
+
+<file path=ppt/slides/slide2.xml><?xml version="1.0" encoding="utf-8"?>
+<p:sld xmlns:a="http://schemas.openxmlformats.org/drawingml/2006/main" xmlns:r="http://schemas.openxmlformats.org/officeDocument/2006/relationships" xmlns:p="http://schemas.openxmlformats.org/presentationml/2006/main">
+  <p:cSld>
+    <p:spTree>
+      <p:nvGrpSpPr>
+        <p:cNvPr id="1" name=""/>
+        <p:cNvGrpSpPr/>
+        <p:nvPr/>
+      </p:nvGrpSpPr>
+      <p:grpSpPr>
+        <a:xfrm>
+          <a:off x="0" y="0"/>
+          <a:ext cx="0" cy="0"/>
+          <a:chOff x="0" y="0"/>
+          <a:chExt cx="0" cy="0"/>
+        </a:xfrm>
+      </p:grpSpPr>
+      <p:sp>
+        <p:nvSpPr>
+          <p:cNvPr id="5" name="Rectangle 4"/>
+          <p:cNvSpPr/>
+          <p:nvPr/>
+        </p:nvSpPr>
+        <p:spPr>
+          <a:xfrm>
+            <a:off x="4419600" y="978906"/>
+            <a:ext cx="1143000" cy="914400"/>
+          </a:xfrm>
+          <a:prstGeom prst="rect">
+            <a:avLst/>
+          </a:prstGeom>
+          <a:solidFill>
+            <a:schemeClr val="accent3">
+              <a:lumMod val="75000"/>
+            </a:schemeClr>
+          </a:solidFill>
+          <a:ln>
+            <a:solidFill>
+              <a:schemeClr val="accent3">
+                <a:lumMod val="50000"/>
+              </a:schemeClr>
+            </a:solidFill>
+          </a:ln>
+        </p:spPr>
+        <p:style>
+          <a:lnRef idx="2">
+            <a:schemeClr val="accent1">
+              <a:shade val="50000"/>
+            </a:schemeClr>
+          </a:lnRef>
+          <a:fillRef idx="1">
+            <a:schemeClr val="accent1"/>
+          </a:fillRef>
+          <a:effectRef idx="0">
+            <a:schemeClr val="accent1"/>
+          </a:effectRef>
+          <a:fontRef idx="minor">
+            <a:schemeClr val="lt1"/>
+          </a:fontRef>
+        </p:style>
+        <p:txBody>
+          <a:bodyPr rtlCol="0" anchor="ctr"/>
+          <a:lstStyle/>
+          <a:p>
+            <a:pPr algn="ctr"/>
+            <a:r>
+              <a:rPr lang="en-US" dirty="0" smtClean="0"/>
+              <a:t>Geometry Creation Measure</a:t>
+            </a:r>
+            <a:endParaRPr lang="en-US" dirty="0"/>
+          </a:p>
+        </p:txBody>
+      </p:sp>
+      <p:sp>
+        <p:nvSpPr>
+          <p:cNvPr id="12" name="Rectangle 11"/>
+          <p:cNvSpPr/>
+          <p:nvPr/>
+        </p:nvSpPr>
+        <p:spPr>
+          <a:xfrm>
+            <a:off x="5715000" y="978906"/>
+            <a:ext cx="914400" cy="914400"/>
+          </a:xfrm>
+          <a:prstGeom prst="rect">
+            <a:avLst/>
+          </a:prstGeom>
+        </p:spPr>
+        <p:style>
+          <a:lnRef idx="2">
+            <a:schemeClr val="accent1">
+              <a:shade val="50000"/>
+            </a:schemeClr>
+          </a:lnRef>
+          <a:fillRef idx="1">
+            <a:schemeClr val="accent1"/>
+          </a:fillRef>
+          <a:effectRef idx="0">
+            <a:schemeClr val="accent1"/>
+          </a:effectRef>
+          <a:fontRef idx="minor">
+            <a:schemeClr val="lt1"/>
+          </a:fontRef>
+        </p:style>
+        <p:txBody>
+          <a:bodyPr rtlCol="0" anchor="ctr"/>
+          <a:lstStyle/>
+          <a:p>
+            <a:pPr algn="ctr"/>
+            <a:r>
+              <a:rPr lang="en-US" dirty="0" smtClean="0"/>
+              <a:t>OSM</a:t>
+            </a:r>
+            <a:endParaRPr lang="en-US" dirty="0"/>
+          </a:p>
+        </p:txBody>
+      </p:sp>
+      <p:sp>
+        <p:nvSpPr>
+          <p:cNvPr id="13" name="Rectangle 12"/>
+          <p:cNvSpPr/>
+          <p:nvPr/>
+        </p:nvSpPr>
+        <p:spPr>
+          <a:xfrm>
+            <a:off x="6781800" y="999277"/>
+            <a:ext cx="381000" cy="914400"/>
+          </a:xfrm>
+          <a:prstGeom prst="rect">
+            <a:avLst/>
+          </a:prstGeom>
+          <a:solidFill>
+            <a:schemeClr val="accent3">
+              <a:lumMod val="75000"/>
+            </a:schemeClr>
+          </a:solidFill>
+          <a:ln>
+            <a:solidFill>
+              <a:schemeClr val="accent3">
+                <a:lumMod val="50000"/>
+              </a:schemeClr>
+            </a:solidFill>
+          </a:ln>
+        </p:spPr>
+        <p:style>
+          <a:lnRef idx="2">
+            <a:schemeClr val="accent1">
+              <a:shade val="50000"/>
+            </a:schemeClr>
+          </a:lnRef>
+          <a:fillRef idx="1">
+            <a:schemeClr val="accent1"/>
+          </a:fillRef>
+          <a:effectRef idx="0">
+            <a:schemeClr val="accent1"/>
+          </a:effectRef>
+          <a:fontRef idx="minor">
+            <a:schemeClr val="lt1"/>
+          </a:fontRef>
+        </p:style>
+        <p:txBody>
+          <a:bodyPr rtlCol="0" anchor="ctr"/>
+          <a:lstStyle/>
+          <a:p>
+            <a:pPr algn="ctr"/>
+            <a:endParaRPr lang="en-US" dirty="0"/>
+          </a:p>
+        </p:txBody>
+      </p:sp>
+      <p:sp>
+        <p:nvSpPr>
+          <p:cNvPr id="14" name="Rectangle 13"/>
+          <p:cNvSpPr/>
+          <p:nvPr/>
+        </p:nvSpPr>
+        <p:spPr>
+          <a:xfrm>
+            <a:off x="7315200" y="994750"/>
+            <a:ext cx="381000" cy="914400"/>
+          </a:xfrm>
+          <a:prstGeom prst="rect">
+            <a:avLst/>
+          </a:prstGeom>
+          <a:solidFill>
+            <a:schemeClr val="accent3">
+              <a:lumMod val="75000"/>
+            </a:schemeClr>
+          </a:solidFill>
+          <a:ln>
+            <a:solidFill>
+              <a:schemeClr val="accent3">
+                <a:lumMod val="50000"/>
+              </a:schemeClr>
+            </a:solidFill>
+          </a:ln>
+        </p:spPr>
+        <p:style>
+          <a:lnRef idx="2">
+            <a:schemeClr val="accent1">
+              <a:shade val="50000"/>
+            </a:schemeClr>
+          </a:lnRef>
+          <a:fillRef idx="1">
+            <a:schemeClr val="accent1"/>
+          </a:fillRef>
+          <a:effectRef idx="0">
+            <a:schemeClr val="accent1"/>
+          </a:effectRef>
+          <a:fontRef idx="minor">
+            <a:schemeClr val="lt1"/>
+          </a:fontRef>
+        </p:style>
+        <p:txBody>
+          <a:bodyPr rtlCol="0" anchor="ctr"/>
+          <a:lstStyle/>
+          <a:p>
+            <a:pPr algn="ctr"/>
+            <a:endParaRPr lang="en-US" dirty="0"/>
+          </a:p>
+        </p:txBody>
+      </p:sp>
+      <p:sp>
+        <p:nvSpPr>
+          <p:cNvPr id="15" name="Rectangle 14"/>
+          <p:cNvSpPr/>
+          <p:nvPr/>
+        </p:nvSpPr>
+        <p:spPr>
+          <a:xfrm>
+            <a:off x="7848600" y="994750"/>
+            <a:ext cx="381000" cy="914400"/>
+          </a:xfrm>
+          <a:prstGeom prst="rect">
+            <a:avLst/>
+          </a:prstGeom>
+          <a:solidFill>
+            <a:schemeClr val="accent3">
+              <a:lumMod val="75000"/>
+            </a:schemeClr>
+          </a:solidFill>
+          <a:ln>
+            <a:solidFill>
+              <a:schemeClr val="accent3">
+                <a:lumMod val="50000"/>
+              </a:schemeClr>
+            </a:solidFill>
+          </a:ln>
+        </p:spPr>
+        <p:style>
+          <a:lnRef idx="2">
+            <a:schemeClr val="accent1">
+              <a:shade val="50000"/>
+            </a:schemeClr>
+          </a:lnRef>
+          <a:fillRef idx="1">
+            <a:schemeClr val="accent1"/>
+          </a:fillRef>
+          <a:effectRef idx="0">
+            <a:schemeClr val="accent1"/>
+          </a:effectRef>
+          <a:fontRef idx="minor">
+            <a:schemeClr val="lt1"/>
+          </a:fontRef>
+        </p:style>
+        <p:txBody>
+          <a:bodyPr rtlCol="0" anchor="ctr"/>
+          <a:lstStyle/>
+          <a:p>
+            <a:pPr algn="ctr"/>
+            <a:endParaRPr lang="en-US" dirty="0"/>
+          </a:p>
+        </p:txBody>
+      </p:sp>
+      <p:sp>
+        <p:nvSpPr>
+          <p:cNvPr id="16" name="TextBox 15"/>
+          <p:cNvSpPr txBox="1"/>
+          <p:nvPr/>
+        </p:nvSpPr>
+        <p:spPr>
+          <a:xfrm>
+            <a:off x="4887302" y="618277"/>
+            <a:ext cx="3037498" cy="369332"/>
+          </a:xfrm>
+          <a:prstGeom prst="rect">
+            <a:avLst/>
+          </a:prstGeom>
+          <a:noFill/>
+        </p:spPr>
+        <p:txBody>
+          <a:bodyPr wrap="none" rtlCol="0">
+            <a:spAutoFit/>
+          </a:bodyPr>
+          <a:lstStyle/>
+          <a:p>
+            <a:r>
+              <a:rPr lang="en-US" dirty="0" smtClean="0"/>
+              <a:t>OpenStudio </a:t>
+            </a:r>
+            <a:r>
+              <a:rPr lang="en-US" dirty="0" smtClean="0"/>
+              <a:t>Analysis - Building</a:t>
+            </a:r>
+            <a:endParaRPr lang="en-US" dirty="0"/>
+          </a:p>
+        </p:txBody>
+      </p:sp>
+      <p:sp>
+        <p:nvSpPr>
+          <p:cNvPr id="17" name="Rectangle 16"/>
+          <p:cNvSpPr/>
+          <p:nvPr/>
+        </p:nvSpPr>
+        <p:spPr>
+          <a:xfrm>
+            <a:off x="4307046" y="609600"/>
+            <a:ext cx="4074954" cy="1676400"/>
+          </a:xfrm>
+          <a:prstGeom prst="rect">
+            <a:avLst/>
+          </a:prstGeom>
+          <a:noFill/>
+        </p:spPr>
+        <p:style>
+          <a:lnRef idx="2">
+            <a:schemeClr val="accent1">
+              <a:shade val="50000"/>
+            </a:schemeClr>
+          </a:lnRef>
+          <a:fillRef idx="1">
+            <a:schemeClr val="accent1"/>
+          </a:fillRef>
+          <a:effectRef idx="0">
+            <a:schemeClr val="accent1"/>
+          </a:effectRef>
+          <a:fontRef idx="minor">
+            <a:schemeClr val="lt1"/>
+          </a:fontRef>
+        </p:style>
+        <p:txBody>
+          <a:bodyPr rtlCol="0" anchor="ctr"/>
+          <a:lstStyle/>
+          <a:p>
+            <a:pPr algn="ctr"/>
+            <a:endParaRPr lang="en-US"/>
+          </a:p>
+        </p:txBody>
+      </p:sp>
+      <p:sp>
+        <p:nvSpPr>
+          <p:cNvPr id="18" name="Can 17"/>
+          <p:cNvSpPr/>
+          <p:nvPr/>
+        </p:nvSpPr>
+        <p:spPr>
+          <a:xfrm>
+            <a:off x="7012703" y="2725615"/>
+            <a:ext cx="1051474" cy="1066800"/>
+          </a:xfrm>
+          <a:prstGeom prst="can">
+            <a:avLst/>
+          </a:prstGeom>
+        </p:spPr>
+        <p:style>
+          <a:lnRef idx="2">
+            <a:schemeClr val="accent1">
+              <a:shade val="50000"/>
+            </a:schemeClr>
+          </a:lnRef>
+          <a:fillRef idx="1">
+            <a:schemeClr val="accent1"/>
+          </a:fillRef>
+          <a:effectRef idx="0">
+            <a:schemeClr val="accent1"/>
+          </a:effectRef>
+          <a:fontRef idx="minor">
+            <a:schemeClr val="lt1"/>
+          </a:fontRef>
+        </p:style>
+        <p:txBody>
+          <a:bodyPr rtlCol="0" anchor="ctr"/>
+          <a:lstStyle/>
+          <a:p>
+            <a:pPr algn="ctr"/>
+            <a:r>
+              <a:rPr lang="en-US" dirty="0" err="1" smtClean="0"/>
+              <a:t>DEnCity</a:t>
+            </a:r>
+            <a:endParaRPr lang="en-US" dirty="0"/>
+          </a:p>
+        </p:txBody>
+      </p:sp>
+      <p:cxnSp>
+        <p:nvCxnSpPr>
+          <p:cNvPr id="20" name="Elbow Connector 19"/>
+          <p:cNvCxnSpPr>
+            <a:stCxn id="17" idx="3"/>
+            <a:endCxn id="18" idx="4"/>
+          </p:cNvCxnSpPr>
+          <p:nvPr/>
+        </p:nvCxnSpPr>
+        <p:spPr>
+          <a:xfrm flipH="1">
+            <a:off x="8064177" y="1447800"/>
+            <a:ext cx="317823" cy="1811215"/>
+          </a:xfrm>
+          <a:prstGeom prst="bentConnector3">
+            <a:avLst>
+              <a:gd name="adj1" fmla="val -123567"/>
+            </a:avLst>
+          </a:prstGeom>
+          <a:ln>
+            <a:tailEnd type="arrow"/>
+          </a:ln>
+        </p:spPr>
+        <p:style>
+          <a:lnRef idx="1">
+            <a:schemeClr val="accent1"/>
+          </a:lnRef>
+          <a:fillRef idx="0">
+            <a:schemeClr val="accent1"/>
+          </a:fillRef>
+          <a:effectRef idx="0">
+            <a:schemeClr val="accent1"/>
+          </a:effectRef>
+          <a:fontRef idx="minor">
+            <a:schemeClr val="tx1"/>
+          </a:fontRef>
+        </p:style>
+      </p:cxnSp>
+      <p:sp>
+        <p:nvSpPr>
+          <p:cNvPr id="50" name="Rectangle 49"/>
+          <p:cNvSpPr/>
+          <p:nvPr/>
+        </p:nvSpPr>
+        <p:spPr>
+          <a:xfrm>
+            <a:off x="304800" y="3894401"/>
+            <a:ext cx="914400" cy="914400"/>
+          </a:xfrm>
+          <a:prstGeom prst="rect">
+            <a:avLst/>
+          </a:prstGeom>
+          <a:solidFill>
+            <a:schemeClr val="accent6">
+              <a:lumMod val="75000"/>
+            </a:schemeClr>
+          </a:solidFill>
+        </p:spPr>
+        <p:style>
+          <a:lnRef idx="2">
+            <a:schemeClr val="accent1">
+              <a:shade val="50000"/>
+            </a:schemeClr>
+          </a:lnRef>
+          <a:fillRef idx="1">
+            <a:schemeClr val="accent1"/>
+          </a:fillRef>
+          <a:effectRef idx="0">
+            <a:schemeClr val="accent1"/>
+          </a:effectRef>
+          <a:fontRef idx="minor">
+            <a:schemeClr val="lt1"/>
+          </a:fontRef>
+        </p:style>
+        <p:txBody>
+          <a:bodyPr rtlCol="0" anchor="ctr"/>
+          <a:lstStyle/>
+          <a:p>
+            <a:pPr algn="ctr"/>
+            <a:r>
+              <a:rPr lang="en-US" dirty="0" smtClean="0"/>
+              <a:t>OS City UI</a:t>
+            </a:r>
+            <a:endParaRPr lang="en-US" dirty="0" smtClean="0"/>
+          </a:p>
+        </p:txBody>
+      </p:sp>
+      <p:sp>
+        <p:nvSpPr>
+          <p:cNvPr id="57" name="Rectangle 56"/>
+          <p:cNvSpPr/>
+          <p:nvPr/>
+        </p:nvSpPr>
+        <p:spPr>
+          <a:xfrm>
+            <a:off x="2075067" y="978906"/>
+            <a:ext cx="1199194" cy="914400"/>
+          </a:xfrm>
+          <a:prstGeom prst="rect">
+            <a:avLst/>
+          </a:prstGeom>
+          <a:solidFill>
+            <a:schemeClr val="accent3">
+              <a:lumMod val="75000"/>
+            </a:schemeClr>
+          </a:solidFill>
+          <a:ln>
+            <a:solidFill>
+              <a:schemeClr val="accent3">
+                <a:lumMod val="50000"/>
+              </a:schemeClr>
+            </a:solidFill>
+          </a:ln>
+        </p:spPr>
+        <p:style>
+          <a:lnRef idx="2">
+            <a:schemeClr val="accent1">
+              <a:shade val="50000"/>
+            </a:schemeClr>
+          </a:lnRef>
+          <a:fillRef idx="1">
+            <a:schemeClr val="accent1"/>
+          </a:fillRef>
+          <a:effectRef idx="0">
+            <a:schemeClr val="accent1"/>
+          </a:effectRef>
+          <a:fontRef idx="minor">
+            <a:schemeClr val="lt1"/>
+          </a:fontRef>
+        </p:style>
+        <p:txBody>
+          <a:bodyPr rtlCol="0" anchor="ctr"/>
+          <a:lstStyle/>
+          <a:p>
+            <a:pPr algn="ctr"/>
+            <a:r>
+              <a:rPr lang="en-US" dirty="0" smtClean="0"/>
+              <a:t>Inference Scripts</a:t>
+            </a:r>
+            <a:endParaRPr lang="en-US" dirty="0"/>
+          </a:p>
+        </p:txBody>
+      </p:sp>
+      <p:sp>
+        <p:nvSpPr>
+          <p:cNvPr id="81" name="Oval 80"/>
+          <p:cNvSpPr/>
+          <p:nvPr/>
+        </p:nvSpPr>
+        <p:spPr>
+          <a:xfrm>
+            <a:off x="1828800" y="656032"/>
+            <a:ext cx="457200" cy="457200"/>
+          </a:xfrm>
+          <a:prstGeom prst="ellipse">
+            <a:avLst/>
+          </a:prstGeom>
+          <a:solidFill>
+            <a:schemeClr val="bg1"/>
+          </a:solidFill>
+          <a:ln>
+            <a:solidFill>
+              <a:schemeClr val="tx1"/>
+            </a:solidFill>
+          </a:ln>
+        </p:spPr>
+        <p:style>
+          <a:lnRef idx="2">
+            <a:schemeClr val="accent1">
+              <a:shade val="50000"/>
+            </a:schemeClr>
+          </a:lnRef>
+          <a:fillRef idx="1">
+            <a:schemeClr val="accent1"/>
+          </a:fillRef>
+          <a:effectRef idx="0">
+            <a:schemeClr val="accent1"/>
+          </a:effectRef>
+          <a:fontRef idx="minor">
+            <a:schemeClr val="lt1"/>
+          </a:fontRef>
+        </p:style>
+        <p:txBody>
+          <a:bodyPr rtlCol="0" anchor="ctr"/>
+          <a:lstStyle/>
+          <a:p>
+            <a:pPr algn="ctr"/>
+            <a:r>
+              <a:rPr lang="en-US" dirty="0" smtClean="0">
+                <a:solidFill>
+                  <a:schemeClr val="tx1"/>
+                </a:solidFill>
+              </a:rPr>
+              <a:t>2</a:t>
+            </a:r>
+            <a:endParaRPr lang="en-US" dirty="0">
+              <a:solidFill>
+                <a:schemeClr val="tx1"/>
+              </a:solidFill>
+            </a:endParaRPr>
+          </a:p>
+        </p:txBody>
+      </p:sp>
+      <p:sp>
+        <p:nvSpPr>
+          <p:cNvPr id="82" name="Oval 81"/>
+          <p:cNvSpPr/>
+          <p:nvPr/>
+        </p:nvSpPr>
+        <p:spPr>
+          <a:xfrm>
+            <a:off x="3962400" y="389677"/>
+            <a:ext cx="457200" cy="457200"/>
+          </a:xfrm>
+          <a:prstGeom prst="ellipse">
+            <a:avLst/>
+          </a:prstGeom>
+          <a:solidFill>
+            <a:schemeClr val="bg1"/>
+          </a:solidFill>
+          <a:ln>
+            <a:solidFill>
+              <a:schemeClr val="tx1"/>
+            </a:solidFill>
+          </a:ln>
+        </p:spPr>
+        <p:style>
+          <a:lnRef idx="2">
+            <a:schemeClr val="accent1">
+              <a:shade val="50000"/>
+            </a:schemeClr>
+          </a:lnRef>
+          <a:fillRef idx="1">
+            <a:schemeClr val="accent1"/>
+          </a:fillRef>
+          <a:effectRef idx="0">
+            <a:schemeClr val="accent1"/>
+          </a:effectRef>
+          <a:fontRef idx="minor">
+            <a:schemeClr val="lt1"/>
+          </a:fontRef>
+        </p:style>
+        <p:txBody>
+          <a:bodyPr rtlCol="0" anchor="ctr"/>
+          <a:lstStyle/>
+          <a:p>
+            <a:pPr algn="ctr"/>
+            <a:r>
+              <a:rPr lang="en-US" dirty="0" smtClean="0">
+                <a:solidFill>
+                  <a:schemeClr val="tx1"/>
+                </a:solidFill>
+              </a:rPr>
+              <a:t>3</a:t>
+            </a:r>
+            <a:endParaRPr lang="en-US" dirty="0">
+              <a:solidFill>
+                <a:schemeClr val="tx1"/>
+              </a:solidFill>
+            </a:endParaRPr>
+          </a:p>
+        </p:txBody>
+      </p:sp>
+      <p:sp>
+        <p:nvSpPr>
+          <p:cNvPr id="59" name="Rectangle 58"/>
+          <p:cNvSpPr/>
+          <p:nvPr/>
+        </p:nvSpPr>
+        <p:spPr>
+          <a:xfrm>
+            <a:off x="304800" y="5562600"/>
+            <a:ext cx="914400" cy="914400"/>
+          </a:xfrm>
+          <a:prstGeom prst="rect">
+            <a:avLst/>
+          </a:prstGeom>
+          <a:solidFill>
+            <a:schemeClr val="accent6">
+              <a:lumMod val="75000"/>
+            </a:schemeClr>
+          </a:solidFill>
+        </p:spPr>
+        <p:style>
+          <a:lnRef idx="2">
+            <a:schemeClr val="accent1">
+              <a:shade val="50000"/>
+            </a:schemeClr>
+          </a:lnRef>
+          <a:fillRef idx="1">
+            <a:schemeClr val="accent1"/>
+          </a:fillRef>
+          <a:effectRef idx="0">
+            <a:schemeClr val="accent1"/>
+          </a:effectRef>
+          <a:fontRef idx="minor">
+            <a:schemeClr val="lt1"/>
+          </a:fontRef>
+        </p:style>
+        <p:txBody>
+          <a:bodyPr rtlCol="0" anchor="ctr"/>
+          <a:lstStyle/>
+          <a:p>
+            <a:pPr algn="ctr"/>
+            <a:r>
+              <a:rPr lang="en-US" dirty="0" smtClean="0"/>
+              <a:t>Insight Center</a:t>
+            </a:r>
+            <a:endParaRPr lang="en-US" dirty="0" smtClean="0"/>
+          </a:p>
+        </p:txBody>
+      </p:sp>
+      <p:sp>
+        <p:nvSpPr>
+          <p:cNvPr id="61" name="Can 60"/>
+          <p:cNvSpPr/>
+          <p:nvPr/>
+        </p:nvSpPr>
+        <p:spPr>
+          <a:xfrm>
+            <a:off x="2148926" y="2725615"/>
+            <a:ext cx="1051474" cy="1066800"/>
+          </a:xfrm>
+          <a:prstGeom prst="can">
+            <a:avLst/>
+          </a:prstGeom>
+        </p:spPr>
+        <p:style>
+          <a:lnRef idx="2">
+            <a:schemeClr val="accent1">
+              <a:shade val="50000"/>
+            </a:schemeClr>
+          </a:lnRef>
+          <a:fillRef idx="1">
+            <a:schemeClr val="accent1"/>
+          </a:fillRef>
+          <a:effectRef idx="0">
+            <a:schemeClr val="accent1"/>
+          </a:effectRef>
+          <a:fontRef idx="minor">
+            <a:schemeClr val="lt1"/>
+          </a:fontRef>
+        </p:style>
+        <p:txBody>
+          <a:bodyPr rtlCol="0" anchor="ctr"/>
+          <a:lstStyle/>
+          <a:p>
+            <a:pPr algn="ctr"/>
+            <a:r>
+              <a:rPr lang="en-US" dirty="0" smtClean="0"/>
+              <a:t>OS City DB</a:t>
+            </a:r>
+            <a:endParaRPr lang="en-US" dirty="0"/>
+          </a:p>
+        </p:txBody>
+      </p:sp>
+      <p:cxnSp>
+        <p:nvCxnSpPr>
+          <p:cNvPr id="51" name="Elbow Connector 50"/>
+          <p:cNvCxnSpPr>
+            <a:stCxn id="61" idx="1"/>
+            <a:endCxn id="57" idx="1"/>
+          </p:cNvCxnSpPr>
+          <p:nvPr/>
+        </p:nvCxnSpPr>
+        <p:spPr>
+          <a:xfrm rot="16200000" flipV="1">
+            <a:off x="1730111" y="1781063"/>
+            <a:ext cx="1289509" cy="599596"/>
+          </a:xfrm>
+          <a:prstGeom prst="bentConnector4">
+            <a:avLst>
+              <a:gd name="adj1" fmla="val 32272"/>
+              <a:gd name="adj2" fmla="val 138126"/>
+            </a:avLst>
+          </a:prstGeom>
+          <a:ln>
+            <a:tailEnd type="arrow"/>
+          </a:ln>
+        </p:spPr>
+        <p:style>
+          <a:lnRef idx="1">
+            <a:schemeClr val="accent1"/>
+          </a:lnRef>
+          <a:fillRef idx="0">
+            <a:schemeClr val="accent1"/>
+          </a:fillRef>
+          <a:effectRef idx="0">
+            <a:schemeClr val="accent1"/>
+          </a:effectRef>
+          <a:fontRef idx="minor">
+            <a:schemeClr val="tx1"/>
+          </a:fontRef>
+        </p:style>
+      </p:cxnSp>
+      <p:cxnSp>
+        <p:nvCxnSpPr>
+          <p:cNvPr id="54" name="Elbow Connector 53"/>
+          <p:cNvCxnSpPr>
+            <a:stCxn id="57" idx="3"/>
+            <a:endCxn id="61" idx="1"/>
+          </p:cNvCxnSpPr>
+          <p:nvPr/>
+        </p:nvCxnSpPr>
+        <p:spPr>
+          <a:xfrm flipH="1">
+            <a:off x="2674663" y="1436106"/>
+            <a:ext cx="599598" cy="1289509"/>
+          </a:xfrm>
+          <a:prstGeom prst="bentConnector4">
+            <a:avLst>
+              <a:gd name="adj1" fmla="val -38126"/>
+              <a:gd name="adj2" fmla="val 67728"/>
+            </a:avLst>
+          </a:prstGeom>
+          <a:ln>
+            <a:tailEnd type="arrow"/>
+          </a:ln>
+        </p:spPr>
+        <p:style>
+          <a:lnRef idx="1">
+            <a:schemeClr val="accent1"/>
+          </a:lnRef>
+          <a:fillRef idx="0">
+            <a:schemeClr val="accent1"/>
+          </a:fillRef>
+          <a:effectRef idx="0">
+            <a:schemeClr val="accent1"/>
+          </a:effectRef>
+          <a:fontRef idx="minor">
+            <a:schemeClr val="tx1"/>
+          </a:fontRef>
+        </p:style>
+      </p:cxnSp>
+      <p:cxnSp>
+        <p:nvCxnSpPr>
+          <p:cNvPr id="87" name="Elbow Connector 86"/>
+          <p:cNvCxnSpPr>
+            <a:stCxn id="61" idx="4"/>
+            <a:endCxn id="17" idx="1"/>
+          </p:cNvCxnSpPr>
+          <p:nvPr/>
+        </p:nvCxnSpPr>
+        <p:spPr>
+          <a:xfrm flipV="1">
+            <a:off x="3200400" y="1447800"/>
+            <a:ext cx="1106646" cy="1811215"/>
+          </a:xfrm>
+          <a:prstGeom prst="bentConnector3">
+            <a:avLst/>
+          </a:prstGeom>
+          <a:ln>
+            <a:tailEnd type="arrow"/>
+          </a:ln>
+        </p:spPr>
+        <p:style>
+          <a:lnRef idx="1">
+            <a:schemeClr val="accent1"/>
+          </a:lnRef>
+          <a:fillRef idx="0">
+            <a:schemeClr val="accent1"/>
+          </a:fillRef>
+          <a:effectRef idx="0">
+            <a:schemeClr val="accent1"/>
+          </a:effectRef>
+          <a:fontRef idx="minor">
+            <a:schemeClr val="tx1"/>
+          </a:fontRef>
+        </p:style>
+      </p:cxnSp>
+      <p:sp>
+        <p:nvSpPr>
+          <p:cNvPr id="108" name="Rectangle 107"/>
+          <p:cNvSpPr/>
+          <p:nvPr/>
+        </p:nvSpPr>
+        <p:spPr>
+          <a:xfrm>
+            <a:off x="304800" y="978906"/>
+            <a:ext cx="1066800" cy="914400"/>
+          </a:xfrm>
+          <a:prstGeom prst="rect">
+            <a:avLst/>
+          </a:prstGeom>
+        </p:spPr>
+        <p:style>
+          <a:lnRef idx="2">
+            <a:schemeClr val="accent1">
+              <a:shade val="50000"/>
+            </a:schemeClr>
+          </a:lnRef>
+          <a:fillRef idx="1">
+            <a:schemeClr val="accent1"/>
+          </a:fillRef>
+          <a:effectRef idx="0">
+            <a:schemeClr val="accent1"/>
+          </a:effectRef>
+          <a:fontRef idx="minor">
+            <a:schemeClr val="lt1"/>
+          </a:fontRef>
+        </p:style>
+        <p:txBody>
+          <a:bodyPr rtlCol="0" anchor="ctr"/>
+          <a:lstStyle/>
+          <a:p>
+            <a:pPr algn="ctr"/>
+            <a:r>
+              <a:rPr lang="en-US" dirty="0" smtClean="0"/>
+              <a:t>Public Records</a:t>
+            </a:r>
+            <a:endParaRPr lang="en-US" dirty="0"/>
+          </a:p>
+        </p:txBody>
+      </p:sp>
+      <p:cxnSp>
+        <p:nvCxnSpPr>
+          <p:cNvPr id="113" name="Elbow Connector 112"/>
+          <p:cNvCxnSpPr>
+            <a:stCxn id="108" idx="3"/>
+            <a:endCxn id="61" idx="2"/>
+          </p:cNvCxnSpPr>
+          <p:nvPr/>
+        </p:nvCxnSpPr>
+        <p:spPr>
+          <a:xfrm>
+            <a:off x="1371600" y="1436106"/>
+            <a:ext cx="777326" cy="1822909"/>
+          </a:xfrm>
+          <a:prstGeom prst="bentConnector3">
+            <a:avLst>
+              <a:gd name="adj1" fmla="val 40951"/>
+            </a:avLst>
+          </a:prstGeom>
+          <a:ln>
+            <a:tailEnd type="arrow"/>
+          </a:ln>
+        </p:spPr>
+        <p:style>
+          <a:lnRef idx="1">
+            <a:schemeClr val="accent1"/>
+          </a:lnRef>
+          <a:fillRef idx="0">
+            <a:schemeClr val="accent1"/>
+          </a:fillRef>
+          <a:effectRef idx="0">
+            <a:schemeClr val="accent1"/>
+          </a:effectRef>
+          <a:fontRef idx="minor">
+            <a:schemeClr val="tx1"/>
+          </a:fontRef>
+        </p:style>
+      </p:cxnSp>
+      <p:sp>
+        <p:nvSpPr>
+          <p:cNvPr id="114" name="Oval 113"/>
+          <p:cNvSpPr/>
+          <p:nvPr/>
+        </p:nvSpPr>
+        <p:spPr>
+          <a:xfrm>
+            <a:off x="76200" y="667295"/>
+            <a:ext cx="457200" cy="457200"/>
+          </a:xfrm>
+          <a:prstGeom prst="ellipse">
+            <a:avLst/>
+          </a:prstGeom>
+          <a:solidFill>
+            <a:schemeClr val="bg1"/>
+          </a:solidFill>
+          <a:ln>
+            <a:solidFill>
+              <a:schemeClr val="tx1"/>
+            </a:solidFill>
+          </a:ln>
+        </p:spPr>
+        <p:style>
+          <a:lnRef idx="2">
+            <a:schemeClr val="accent1">
+              <a:shade val="50000"/>
+            </a:schemeClr>
+          </a:lnRef>
+          <a:fillRef idx="1">
+            <a:schemeClr val="accent1"/>
+          </a:fillRef>
+          <a:effectRef idx="0">
+            <a:schemeClr val="accent1"/>
+          </a:effectRef>
+          <a:fontRef idx="minor">
+            <a:schemeClr val="lt1"/>
+          </a:fontRef>
+        </p:style>
+        <p:txBody>
+          <a:bodyPr rtlCol="0" anchor="ctr"/>
+          <a:lstStyle/>
+          <a:p>
+            <a:pPr algn="ctr"/>
+            <a:r>
+              <a:rPr lang="en-US" dirty="0" smtClean="0">
+                <a:solidFill>
+                  <a:schemeClr val="tx1"/>
+                </a:solidFill>
+              </a:rPr>
+              <a:t>1</a:t>
+            </a:r>
+            <a:endParaRPr lang="en-US" dirty="0">
+              <a:solidFill>
+                <a:schemeClr val="tx1"/>
+              </a:solidFill>
+            </a:endParaRPr>
+          </a:p>
+        </p:txBody>
+      </p:sp>
+      <p:cxnSp>
+        <p:nvCxnSpPr>
+          <p:cNvPr id="116" name="Elbow Connector 115"/>
+          <p:cNvCxnSpPr>
+            <a:stCxn id="50" idx="3"/>
+            <a:endCxn id="61" idx="2"/>
+          </p:cNvCxnSpPr>
+          <p:nvPr/>
+        </p:nvCxnSpPr>
+        <p:spPr>
+          <a:xfrm flipV="1">
+            <a:off x="1219200" y="3259015"/>
+            <a:ext cx="929726" cy="1092586"/>
+          </a:xfrm>
+          <a:prstGeom prst="bentConnector3">
+            <a:avLst/>
+          </a:prstGeom>
+          <a:ln>
+            <a:headEnd type="arrow"/>
+            <a:tailEnd type="arrow"/>
+          </a:ln>
+        </p:spPr>
+        <p:style>
+          <a:lnRef idx="1">
+            <a:schemeClr val="accent1"/>
+          </a:lnRef>
+          <a:fillRef idx="0">
+            <a:schemeClr val="accent1"/>
+          </a:fillRef>
+          <a:effectRef idx="0">
+            <a:schemeClr val="accent1"/>
+          </a:effectRef>
+          <a:fontRef idx="minor">
+            <a:schemeClr val="tx1"/>
+          </a:fontRef>
+        </p:style>
+      </p:cxnSp>
+      <p:sp>
+        <p:nvSpPr>
+          <p:cNvPr id="134" name="Rectangle 133"/>
+          <p:cNvSpPr/>
+          <p:nvPr/>
+        </p:nvSpPr>
+        <p:spPr>
+          <a:xfrm>
+            <a:off x="4419600" y="5082012"/>
+            <a:ext cx="1143000" cy="914400"/>
+          </a:xfrm>
+          <a:prstGeom prst="rect">
+            <a:avLst/>
+          </a:prstGeom>
+          <a:solidFill>
+            <a:schemeClr val="accent3">
+              <a:lumMod val="75000"/>
+            </a:schemeClr>
+          </a:solidFill>
+          <a:ln>
+            <a:solidFill>
+              <a:schemeClr val="accent3">
+                <a:lumMod val="50000"/>
+              </a:schemeClr>
+            </a:solidFill>
+          </a:ln>
+        </p:spPr>
+        <p:style>
+          <a:lnRef idx="2">
+            <a:schemeClr val="accent1">
+              <a:shade val="50000"/>
+            </a:schemeClr>
+          </a:lnRef>
+          <a:fillRef idx="1">
+            <a:schemeClr val="accent1"/>
+          </a:fillRef>
+          <a:effectRef idx="0">
+            <a:schemeClr val="accent1"/>
+          </a:effectRef>
+          <a:fontRef idx="minor">
+            <a:schemeClr val="lt1"/>
+          </a:fontRef>
+        </p:style>
+        <p:txBody>
+          <a:bodyPr rtlCol="0" anchor="ctr"/>
+          <a:lstStyle/>
+          <a:p>
+            <a:pPr algn="ctr"/>
+            <a:r>
+              <a:rPr lang="en-US" dirty="0" smtClean="0"/>
+              <a:t>System Creation </a:t>
+            </a:r>
+            <a:r>
+              <a:rPr lang="en-US" dirty="0" smtClean="0"/>
+              <a:t>Measure</a:t>
+            </a:r>
+            <a:endParaRPr lang="en-US" dirty="0"/>
+          </a:p>
+        </p:txBody>
+      </p:sp>
+      <p:sp>
+        <p:nvSpPr>
+          <p:cNvPr id="135" name="Rectangle 134"/>
+          <p:cNvSpPr/>
+          <p:nvPr/>
+        </p:nvSpPr>
+        <p:spPr>
+          <a:xfrm>
+            <a:off x="5715000" y="5082012"/>
+            <a:ext cx="914400" cy="914400"/>
+          </a:xfrm>
+          <a:prstGeom prst="rect">
+            <a:avLst/>
+          </a:prstGeom>
+        </p:spPr>
+        <p:style>
+          <a:lnRef idx="2">
+            <a:schemeClr val="accent1">
+              <a:shade val="50000"/>
+            </a:schemeClr>
+          </a:lnRef>
+          <a:fillRef idx="1">
+            <a:schemeClr val="accent1"/>
+          </a:fillRef>
+          <a:effectRef idx="0">
+            <a:schemeClr val="accent1"/>
+          </a:effectRef>
+          <a:fontRef idx="minor">
+            <a:schemeClr val="lt1"/>
+          </a:fontRef>
+        </p:style>
+        <p:txBody>
+          <a:bodyPr rtlCol="0" anchor="ctr"/>
+          <a:lstStyle/>
+          <a:p>
+            <a:pPr algn="ctr"/>
+            <a:r>
+              <a:rPr lang="en-US" dirty="0" smtClean="0"/>
+              <a:t>OSM</a:t>
+            </a:r>
+            <a:endParaRPr lang="en-US" dirty="0"/>
+          </a:p>
+        </p:txBody>
+      </p:sp>
+      <p:sp>
+        <p:nvSpPr>
+          <p:cNvPr id="136" name="Rectangle 135"/>
+          <p:cNvSpPr/>
+          <p:nvPr/>
+        </p:nvSpPr>
+        <p:spPr>
+          <a:xfrm>
+            <a:off x="6781800" y="5102383"/>
+            <a:ext cx="381000" cy="914400"/>
+          </a:xfrm>
+          <a:prstGeom prst="rect">
+            <a:avLst/>
+          </a:prstGeom>
+          <a:solidFill>
+            <a:schemeClr val="accent3">
+              <a:lumMod val="75000"/>
+            </a:schemeClr>
+          </a:solidFill>
+          <a:ln>
+            <a:solidFill>
+              <a:schemeClr val="accent3">
+                <a:lumMod val="50000"/>
+              </a:schemeClr>
+            </a:solidFill>
+          </a:ln>
+        </p:spPr>
+        <p:style>
+          <a:lnRef idx="2">
+            <a:schemeClr val="accent1">
+              <a:shade val="50000"/>
+            </a:schemeClr>
+          </a:lnRef>
+          <a:fillRef idx="1">
+            <a:schemeClr val="accent1"/>
+          </a:fillRef>
+          <a:effectRef idx="0">
+            <a:schemeClr val="accent1"/>
+          </a:effectRef>
+          <a:fontRef idx="minor">
+            <a:schemeClr val="lt1"/>
+          </a:fontRef>
+        </p:style>
+        <p:txBody>
+          <a:bodyPr rtlCol="0" anchor="ctr"/>
+          <a:lstStyle/>
+          <a:p>
+            <a:pPr algn="ctr"/>
+            <a:endParaRPr lang="en-US" dirty="0"/>
+          </a:p>
+        </p:txBody>
+      </p:sp>
+      <p:sp>
+        <p:nvSpPr>
+          <p:cNvPr id="137" name="Rectangle 136"/>
+          <p:cNvSpPr/>
+          <p:nvPr/>
+        </p:nvSpPr>
+        <p:spPr>
+          <a:xfrm>
+            <a:off x="7315200" y="5097856"/>
+            <a:ext cx="381000" cy="914400"/>
+          </a:xfrm>
+          <a:prstGeom prst="rect">
+            <a:avLst/>
+          </a:prstGeom>
+          <a:solidFill>
+            <a:schemeClr val="accent3">
+              <a:lumMod val="75000"/>
+            </a:schemeClr>
+          </a:solidFill>
+          <a:ln>
+            <a:solidFill>
+              <a:schemeClr val="accent3">
+                <a:lumMod val="50000"/>
+              </a:schemeClr>
+            </a:solidFill>
+          </a:ln>
+        </p:spPr>
+        <p:style>
+          <a:lnRef idx="2">
+            <a:schemeClr val="accent1">
+              <a:shade val="50000"/>
+            </a:schemeClr>
+          </a:lnRef>
+          <a:fillRef idx="1">
+            <a:schemeClr val="accent1"/>
+          </a:fillRef>
+          <a:effectRef idx="0">
+            <a:schemeClr val="accent1"/>
+          </a:effectRef>
+          <a:fontRef idx="minor">
+            <a:schemeClr val="lt1"/>
+          </a:fontRef>
+        </p:style>
+        <p:txBody>
+          <a:bodyPr rtlCol="0" anchor="ctr"/>
+          <a:lstStyle/>
+          <a:p>
+            <a:pPr algn="ctr"/>
+            <a:endParaRPr lang="en-US" dirty="0"/>
+          </a:p>
+        </p:txBody>
+      </p:sp>
+      <p:sp>
+        <p:nvSpPr>
+          <p:cNvPr id="138" name="Rectangle 137"/>
+          <p:cNvSpPr/>
+          <p:nvPr/>
+        </p:nvSpPr>
+        <p:spPr>
+          <a:xfrm>
+            <a:off x="7848600" y="5097856"/>
+            <a:ext cx="381000" cy="914400"/>
+          </a:xfrm>
+          <a:prstGeom prst="rect">
+            <a:avLst/>
+          </a:prstGeom>
+          <a:solidFill>
+            <a:schemeClr val="accent3">
+              <a:lumMod val="75000"/>
+            </a:schemeClr>
+          </a:solidFill>
+          <a:ln>
+            <a:solidFill>
+              <a:schemeClr val="accent3">
+                <a:lumMod val="50000"/>
+              </a:schemeClr>
+            </a:solidFill>
+          </a:ln>
+        </p:spPr>
+        <p:style>
+          <a:lnRef idx="2">
+            <a:schemeClr val="accent1">
+              <a:shade val="50000"/>
+            </a:schemeClr>
+          </a:lnRef>
+          <a:fillRef idx="1">
+            <a:schemeClr val="accent1"/>
+          </a:fillRef>
+          <a:effectRef idx="0">
+            <a:schemeClr val="accent1"/>
+          </a:effectRef>
+          <a:fontRef idx="minor">
+            <a:schemeClr val="lt1"/>
+          </a:fontRef>
+        </p:style>
+        <p:txBody>
+          <a:bodyPr rtlCol="0" anchor="ctr"/>
+          <a:lstStyle/>
+          <a:p>
+            <a:pPr algn="ctr"/>
+            <a:endParaRPr lang="en-US" dirty="0"/>
+          </a:p>
+        </p:txBody>
+      </p:sp>
+      <p:sp>
+        <p:nvSpPr>
+          <p:cNvPr id="139" name="TextBox 138"/>
+          <p:cNvSpPr txBox="1"/>
+          <p:nvPr/>
+        </p:nvSpPr>
+        <p:spPr>
+          <a:xfrm>
+            <a:off x="4505016" y="4721383"/>
+            <a:ext cx="3800784" cy="369332"/>
+          </a:xfrm>
+          <a:prstGeom prst="rect">
+            <a:avLst/>
+          </a:prstGeom>
+          <a:noFill/>
+        </p:spPr>
+        <p:txBody>
+          <a:bodyPr wrap="none" rtlCol="0">
+            <a:spAutoFit/>
+          </a:bodyPr>
+          <a:lstStyle/>
+          <a:p>
+            <a:r>
+              <a:rPr lang="en-US" dirty="0" smtClean="0"/>
+              <a:t>OpenStudio </a:t>
+            </a:r>
+            <a:r>
+              <a:rPr lang="en-US" dirty="0" smtClean="0"/>
+              <a:t>Analysis – District Systems</a:t>
+            </a:r>
+            <a:endParaRPr lang="en-US" dirty="0"/>
+          </a:p>
+        </p:txBody>
+      </p:sp>
+      <p:sp>
+        <p:nvSpPr>
+          <p:cNvPr id="140" name="Rectangle 139"/>
+          <p:cNvSpPr/>
+          <p:nvPr/>
+        </p:nvSpPr>
+        <p:spPr>
+          <a:xfrm>
+            <a:off x="4307046" y="4712706"/>
+            <a:ext cx="4074954" cy="1676400"/>
+          </a:xfrm>
+          <a:prstGeom prst="rect">
+            <a:avLst/>
+          </a:prstGeom>
+          <a:noFill/>
+        </p:spPr>
+        <p:style>
+          <a:lnRef idx="2">
+            <a:schemeClr val="accent1">
+              <a:shade val="50000"/>
+            </a:schemeClr>
+          </a:lnRef>
+          <a:fillRef idx="1">
+            <a:schemeClr val="accent1"/>
+          </a:fillRef>
+          <a:effectRef idx="0">
+            <a:schemeClr val="accent1"/>
+          </a:effectRef>
+          <a:fontRef idx="minor">
+            <a:schemeClr val="lt1"/>
+          </a:fontRef>
+        </p:style>
+        <p:txBody>
+          <a:bodyPr rtlCol="0" anchor="ctr"/>
+          <a:lstStyle/>
+          <a:p>
+            <a:pPr algn="ctr"/>
+            <a:endParaRPr lang="en-US"/>
+          </a:p>
+        </p:txBody>
+      </p:sp>
+      <p:sp>
+        <p:nvSpPr>
+          <p:cNvPr id="141" name="Oval 140"/>
+          <p:cNvSpPr/>
+          <p:nvPr/>
+        </p:nvSpPr>
+        <p:spPr>
+          <a:xfrm>
+            <a:off x="3962400" y="4492783"/>
+            <a:ext cx="457200" cy="457200"/>
+          </a:xfrm>
+          <a:prstGeom prst="ellipse">
+            <a:avLst/>
+          </a:prstGeom>
+          <a:solidFill>
+            <a:schemeClr val="bg1"/>
+          </a:solidFill>
+          <a:ln>
+            <a:solidFill>
+              <a:schemeClr val="tx1"/>
+            </a:solidFill>
+          </a:ln>
+        </p:spPr>
+        <p:style>
+          <a:lnRef idx="2">
+            <a:schemeClr val="accent1">
+              <a:shade val="50000"/>
+            </a:schemeClr>
+          </a:lnRef>
+          <a:fillRef idx="1">
+            <a:schemeClr val="accent1"/>
+          </a:fillRef>
+          <a:effectRef idx="0">
+            <a:schemeClr val="accent1"/>
+          </a:effectRef>
+          <a:fontRef idx="minor">
+            <a:schemeClr val="lt1"/>
+          </a:fontRef>
+        </p:style>
+        <p:txBody>
+          <a:bodyPr rtlCol="0" anchor="ctr"/>
+          <a:lstStyle/>
+          <a:p>
+            <a:pPr algn="ctr"/>
+            <a:r>
+              <a:rPr lang="en-US" dirty="0" smtClean="0">
+                <a:solidFill>
+                  <a:schemeClr val="tx1"/>
+                </a:solidFill>
+              </a:rPr>
+              <a:t>4</a:t>
+            </a:r>
+            <a:endParaRPr lang="en-US" dirty="0">
+              <a:solidFill>
+                <a:schemeClr val="tx1"/>
+              </a:solidFill>
+            </a:endParaRPr>
+          </a:p>
+        </p:txBody>
+      </p:sp>
+      <p:cxnSp>
+        <p:nvCxnSpPr>
+          <p:cNvPr id="143" name="Elbow Connector 142"/>
+          <p:cNvCxnSpPr>
+            <a:stCxn id="61" idx="4"/>
+            <a:endCxn id="140" idx="1"/>
+          </p:cNvCxnSpPr>
+          <p:nvPr/>
+        </p:nvCxnSpPr>
+        <p:spPr>
+          <a:xfrm>
+            <a:off x="3200400" y="3259015"/>
+            <a:ext cx="1106646" cy="2291891"/>
+          </a:xfrm>
+          <a:prstGeom prst="bentConnector3">
+            <a:avLst/>
+          </a:prstGeom>
+          <a:ln>
+            <a:tailEnd type="arrow"/>
+          </a:ln>
+        </p:spPr>
+        <p:style>
+          <a:lnRef idx="1">
+            <a:schemeClr val="accent1"/>
+          </a:lnRef>
+          <a:fillRef idx="0">
+            <a:schemeClr val="accent1"/>
+          </a:fillRef>
+          <a:effectRef idx="0">
+            <a:schemeClr val="accent1"/>
+          </a:effectRef>
+          <a:fontRef idx="minor">
+            <a:schemeClr val="tx1"/>
+          </a:fontRef>
+        </p:style>
+      </p:cxnSp>
+      <p:cxnSp>
+        <p:nvCxnSpPr>
+          <p:cNvPr id="146" name="Elbow Connector 145"/>
+          <p:cNvCxnSpPr>
+            <a:stCxn id="140" idx="3"/>
+            <a:endCxn id="18" idx="4"/>
+          </p:cNvCxnSpPr>
+          <p:nvPr/>
+        </p:nvCxnSpPr>
+        <p:spPr>
+          <a:xfrm flipH="1" flipV="1">
+            <a:off x="8064177" y="3259015"/>
+            <a:ext cx="317823" cy="2291891"/>
+          </a:xfrm>
+          <a:prstGeom prst="bentConnector3">
+            <a:avLst>
+              <a:gd name="adj1" fmla="val -119878"/>
+            </a:avLst>
+          </a:prstGeom>
+          <a:ln>
+            <a:tailEnd type="arrow"/>
+          </a:ln>
+        </p:spPr>
+        <p:style>
+          <a:lnRef idx="1">
+            <a:schemeClr val="accent1"/>
+          </a:lnRef>
+          <a:fillRef idx="0">
+            <a:schemeClr val="accent1"/>
+          </a:fillRef>
+          <a:effectRef idx="0">
+            <a:schemeClr val="accent1"/>
+          </a:effectRef>
+          <a:fontRef idx="minor">
+            <a:schemeClr val="tx1"/>
+          </a:fontRef>
+        </p:style>
+      </p:cxnSp>
+      <p:cxnSp>
+        <p:nvCxnSpPr>
+          <p:cNvPr id="150" name="Elbow Connector 149"/>
+          <p:cNvCxnSpPr>
+            <a:stCxn id="18" idx="2"/>
+            <a:endCxn id="139" idx="0"/>
+          </p:cNvCxnSpPr>
+          <p:nvPr/>
+        </p:nvCxnSpPr>
+        <p:spPr>
+          <a:xfrm rot="10800000" flipV="1">
+            <a:off x="6405409" y="3259015"/>
+            <a:ext cx="607295" cy="1462368"/>
+          </a:xfrm>
+          <a:prstGeom prst="bentConnector2">
+            <a:avLst/>
+          </a:prstGeom>
+          <a:ln>
+            <a:tailEnd type="arrow"/>
+          </a:ln>
+        </p:spPr>
+        <p:style>
+          <a:lnRef idx="1">
+            <a:schemeClr val="accent1"/>
+          </a:lnRef>
+          <a:fillRef idx="0">
+            <a:schemeClr val="accent1"/>
+          </a:fillRef>
+          <a:effectRef idx="0">
+            <a:schemeClr val="accent1"/>
+          </a:effectRef>
+          <a:fontRef idx="minor">
+            <a:schemeClr val="tx1"/>
+          </a:fontRef>
+        </p:style>
+      </p:cxnSp>
+      <p:sp>
+        <p:nvSpPr>
+          <p:cNvPr id="167" name="Rectangle 166"/>
+          <p:cNvSpPr/>
+          <p:nvPr/>
+        </p:nvSpPr>
+        <p:spPr>
+          <a:xfrm>
+            <a:off x="1988864" y="4536743"/>
+            <a:ext cx="1371600" cy="914400"/>
+          </a:xfrm>
+          <a:prstGeom prst="rect">
+            <a:avLst/>
+          </a:prstGeom>
+          <a:solidFill>
+            <a:schemeClr val="accent3">
+              <a:lumMod val="75000"/>
+            </a:schemeClr>
+          </a:solidFill>
+          <a:ln>
+            <a:solidFill>
+              <a:schemeClr val="accent3">
+                <a:lumMod val="50000"/>
+              </a:schemeClr>
+            </a:solidFill>
+          </a:ln>
+        </p:spPr>
+        <p:style>
+          <a:lnRef idx="2">
+            <a:schemeClr val="accent1">
+              <a:shade val="50000"/>
+            </a:schemeClr>
+          </a:lnRef>
+          <a:fillRef idx="1">
+            <a:schemeClr val="accent1"/>
+          </a:fillRef>
+          <a:effectRef idx="0">
+            <a:schemeClr val="accent1"/>
+          </a:effectRef>
+          <a:fontRef idx="minor">
+            <a:schemeClr val="lt1"/>
+          </a:fontRef>
+        </p:style>
+        <p:txBody>
+          <a:bodyPr rtlCol="0" anchor="ctr"/>
+          <a:lstStyle/>
+          <a:p>
+            <a:pPr algn="ctr"/>
+            <a:r>
+              <a:rPr lang="en-US" dirty="0" smtClean="0"/>
+              <a:t>Scenario Exporter</a:t>
+            </a:r>
+            <a:endParaRPr lang="en-US" dirty="0"/>
+          </a:p>
+        </p:txBody>
+      </p:sp>
+      <p:sp>
+        <p:nvSpPr>
+          <p:cNvPr id="168" name="Oval 167"/>
+          <p:cNvSpPr/>
+          <p:nvPr/>
+        </p:nvSpPr>
+        <p:spPr>
+          <a:xfrm>
+            <a:off x="1846467" y="4343400"/>
+            <a:ext cx="457200" cy="457200"/>
+          </a:xfrm>
+          <a:prstGeom prst="ellipse">
+            <a:avLst/>
+          </a:prstGeom>
+          <a:solidFill>
+            <a:schemeClr val="bg1"/>
+          </a:solidFill>
+          <a:ln>
+            <a:solidFill>
+              <a:schemeClr val="tx1"/>
+            </a:solidFill>
+          </a:ln>
+        </p:spPr>
+        <p:style>
+          <a:lnRef idx="2">
+            <a:schemeClr val="accent1">
+              <a:shade val="50000"/>
+            </a:schemeClr>
+          </a:lnRef>
+          <a:fillRef idx="1">
+            <a:schemeClr val="accent1"/>
+          </a:fillRef>
+          <a:effectRef idx="0">
+            <a:schemeClr val="accent1"/>
+          </a:effectRef>
+          <a:fontRef idx="minor">
+            <a:schemeClr val="lt1"/>
+          </a:fontRef>
+        </p:style>
+        <p:txBody>
+          <a:bodyPr rtlCol="0" anchor="ctr"/>
+          <a:lstStyle/>
+          <a:p>
+            <a:pPr algn="ctr"/>
+            <a:r>
+              <a:rPr lang="en-US" dirty="0" smtClean="0">
+                <a:solidFill>
+                  <a:schemeClr val="tx1"/>
+                </a:solidFill>
+              </a:rPr>
+              <a:t>5</a:t>
+            </a:r>
+            <a:endParaRPr lang="en-US" dirty="0">
+              <a:solidFill>
+                <a:schemeClr val="tx1"/>
+              </a:solidFill>
+            </a:endParaRPr>
+          </a:p>
+        </p:txBody>
+      </p:sp>
+      <p:cxnSp>
+        <p:nvCxnSpPr>
+          <p:cNvPr id="175" name="Straight Arrow Connector 174"/>
+          <p:cNvCxnSpPr>
+            <a:stCxn id="61" idx="3"/>
+            <a:endCxn id="167" idx="0"/>
+          </p:cNvCxnSpPr>
+          <p:nvPr/>
+        </p:nvCxnSpPr>
+        <p:spPr>
+          <a:xfrm>
+            <a:off x="2674663" y="3792415"/>
+            <a:ext cx="1" cy="744328"/>
+          </a:xfrm>
+          <a:prstGeom prst="straightConnector1">
+            <a:avLst/>
+          </a:prstGeom>
+          <a:ln>
+            <a:tailEnd type="arrow"/>
+          </a:ln>
+        </p:spPr>
+        <p:style>
+          <a:lnRef idx="1">
+            <a:schemeClr val="accent1"/>
+          </a:lnRef>
+          <a:fillRef idx="0">
+            <a:schemeClr val="accent1"/>
+          </a:fillRef>
+          <a:effectRef idx="0">
+            <a:schemeClr val="accent1"/>
+          </a:effectRef>
+          <a:fontRef idx="minor">
+            <a:schemeClr val="tx1"/>
+          </a:fontRef>
+        </p:style>
+      </p:cxnSp>
+      <p:cxnSp>
+        <p:nvCxnSpPr>
+          <p:cNvPr id="177" name="Elbow Connector 176"/>
+          <p:cNvCxnSpPr>
+            <a:stCxn id="167" idx="2"/>
+            <a:endCxn id="59" idx="3"/>
+          </p:cNvCxnSpPr>
+          <p:nvPr/>
+        </p:nvCxnSpPr>
+        <p:spPr>
+          <a:xfrm rot="5400000">
+            <a:off x="1662604" y="5007739"/>
+            <a:ext cx="568657" cy="1455464"/>
+          </a:xfrm>
+          <a:prstGeom prst="bentConnector2">
+            <a:avLst/>
+          </a:prstGeom>
+          <a:ln>
+            <a:tailEnd type="arrow"/>
+          </a:ln>
+        </p:spPr>
+        <p:style>
+          <a:lnRef idx="1">
+            <a:schemeClr val="accent1"/>
+          </a:lnRef>
+          <a:fillRef idx="0">
+            <a:schemeClr val="accent1"/>
+          </a:fillRef>
+          <a:effectRef idx="0">
+            <a:schemeClr val="accent1"/>
+          </a:effectRef>
+          <a:fontRef idx="minor">
+            <a:schemeClr val="tx1"/>
+          </a:fontRef>
+        </p:style>
+      </p:cxnSp>
+      <p:cxnSp>
+        <p:nvCxnSpPr>
+          <p:cNvPr id="179" name="Elbow Connector 178"/>
+          <p:cNvCxnSpPr>
+            <a:stCxn id="167" idx="1"/>
+          </p:cNvCxnSpPr>
+          <p:nvPr/>
+        </p:nvCxnSpPr>
+        <p:spPr>
+          <a:xfrm rot="10800000">
+            <a:off x="1219200" y="4572001"/>
+            <a:ext cx="769665" cy="421943"/>
+          </a:xfrm>
+          <a:prstGeom prst="bentConnector3">
+            <a:avLst>
+              <a:gd name="adj1" fmla="val 40861"/>
+            </a:avLst>
+          </a:prstGeom>
+          <a:ln>
+            <a:tailEnd type="arrow"/>
+          </a:ln>
+        </p:spPr>
+        <p:style>
+          <a:lnRef idx="1">
+            <a:schemeClr val="accent1"/>
+          </a:lnRef>
+          <a:fillRef idx="0">
+            <a:schemeClr val="accent1"/>
+          </a:fillRef>
+          <a:effectRef idx="0">
+            <a:schemeClr val="accent1"/>
+          </a:effectRef>
+          <a:fontRef idx="minor">
+            <a:schemeClr val="tx1"/>
+          </a:fontRef>
+        </p:style>
+      </p:cxnSp>
+      <p:cxnSp>
+        <p:nvCxnSpPr>
+          <p:cNvPr id="195" name="Straight Arrow Connector 194"/>
+          <p:cNvCxnSpPr>
+            <a:stCxn id="18" idx="2"/>
+            <a:endCxn id="167" idx="0"/>
+          </p:cNvCxnSpPr>
+          <p:nvPr/>
+        </p:nvCxnSpPr>
+        <p:spPr>
+          <a:xfrm flipH="1">
+            <a:off x="2674664" y="3259015"/>
+            <a:ext cx="4338039" cy="1277728"/>
+          </a:xfrm>
+          <a:prstGeom prst="straightConnector1">
+            <a:avLst/>
+          </a:prstGeom>
+          <a:ln>
+            <a:tailEnd type="arrow"/>
+          </a:ln>
+        </p:spPr>
+        <p:style>
+          <a:lnRef idx="1">
+            <a:schemeClr val="accent1"/>
+          </a:lnRef>
+          <a:fillRef idx="0">
+            <a:schemeClr val="accent1"/>
+          </a:fillRef>
+          <a:effectRef idx="0">
+            <a:schemeClr val="accent1"/>
+          </a:effectRef>
+          <a:fontRef idx="minor">
+            <a:schemeClr val="tx1"/>
+          </a:fontRef>
+        </p:style>
+      </p:cxnSp>
+    </p:spTree>
+    <p:extLst>
+      <p:ext uri="{BB962C8B-B14F-4D97-AF65-F5344CB8AC3E}">
+        <p14:creationId xmlns:p14="http://schemas.microsoft.com/office/powerpoint/2010/main" val="2333554596"/>
+      </p:ext>
+    </p:extLst>
+  </p:cSld>
+  <p:clrMapOvr>
+    <a:masterClrMapping/>
+  </p:clrMapOvr>
+</p:sld>
+</file>
+
+<file path=ppt/slides/slide3.xml><?xml version="1.0" encoding="utf-8"?>
+<p:sld xmlns:a="http://schemas.openxmlformats.org/drawingml/2006/main" xmlns:r="http://schemas.openxmlformats.org/officeDocument/2006/relationships" xmlns:p="http://schemas.openxmlformats.org/presentationml/2006/main">
+  <p:cSld>
+    <p:spTree>
+      <p:nvGrpSpPr>
+        <p:cNvPr id="1" name=""/>
+        <p:cNvGrpSpPr/>
+        <p:nvPr/>
+      </p:nvGrpSpPr>
+      <p:grpSpPr>
+        <a:xfrm>
+          <a:off x="0" y="0"/>
+          <a:ext cx="0" cy="0"/>
+          <a:chOff x="0" y="0"/>
+          <a:chExt cx="0" cy="0"/>
+        </a:xfrm>
+      </p:grpSpPr>
+      <p:graphicFrame>
+        <p:nvGraphicFramePr>
+          <p:cNvPr id="4" name="Table 3"/>
+          <p:cNvGraphicFramePr>
+            <a:graphicFrameLocks noGrp="1"/>
+          </p:cNvGraphicFramePr>
+          <p:nvPr>
+            <p:extLst>
+              <p:ext uri="{D42A27DB-BD31-4B8C-83A1-F6EECF244321}">
+                <p14:modId xmlns:p14="http://schemas.microsoft.com/office/powerpoint/2010/main" val="2845065495"/>
+              </p:ext>
+            </p:extLst>
+          </p:nvPr>
+        </p:nvGraphicFramePr>
+        <p:xfrm>
+          <a:off x="457201" y="1295400"/>
+          <a:ext cx="7467601" cy="3551555"/>
+        </p:xfrm>
+        <a:graphic>
+          <a:graphicData uri="http://schemas.openxmlformats.org/drawingml/2006/table">
+            <a:tbl>
+              <a:tblPr firstRow="1" bandRow="1">
+                <a:tableStyleId>{5C22544A-7EE6-4342-B048-85BDC9FD1C3A}</a:tableStyleId>
+              </a:tblPr>
+              <a:tblGrid>
+                <a:gridCol w="479571"/>
+                <a:gridCol w="1233182"/>
+                <a:gridCol w="1274286"/>
+                <a:gridCol w="1493520"/>
+                <a:gridCol w="1269492"/>
+                <a:gridCol w="1717550"/>
+              </a:tblGrid>
+              <a:tr h="415925">
+                <a:tc>
+                  <a:txBody>
+                    <a:bodyPr/>
+                    <a:lstStyle/>
+                    <a:p>
+                      <a:r>
+                        <a:rPr lang="en-US" dirty="0" smtClean="0"/>
+                        <a:t>Id</a:t>
+                      </a:r>
+                      <a:endParaRPr lang="en-US" dirty="0"/>
+                    </a:p>
+                  </a:txBody>
+                  <a:tcPr/>
+                </a:tc>
+                <a:tc>
+                  <a:txBody>
+                    <a:bodyPr/>
+                    <a:lstStyle/>
+                    <a:p>
+                      <a:r>
+                        <a:rPr lang="en-US" dirty="0" smtClean="0"/>
+                        <a:t>Address</a:t>
+                      </a:r>
+                      <a:endParaRPr lang="en-US" dirty="0"/>
+                    </a:p>
+                  </a:txBody>
+                  <a:tcPr/>
+                </a:tc>
+                <a:tc>
+                  <a:txBody>
+                    <a:bodyPr/>
+                    <a:lstStyle/>
+                    <a:p>
+                      <a:r>
+                        <a:rPr lang="en-US" dirty="0" smtClean="0"/>
+                        <a:t>Type</a:t>
+                      </a:r>
+                      <a:endParaRPr lang="en-US" dirty="0"/>
+                    </a:p>
+                  </a:txBody>
+                  <a:tcPr/>
+                </a:tc>
+                <a:tc>
+                  <a:txBody>
+                    <a:bodyPr/>
+                    <a:lstStyle/>
+                    <a:p>
+                      <a:r>
+                        <a:rPr lang="en-US" dirty="0" smtClean="0"/>
+                        <a:t>Variable 1</a:t>
+                      </a:r>
+                    </a:p>
+                    <a:p>
+                      <a:r>
+                        <a:rPr lang="en-US" dirty="0" smtClean="0"/>
+                        <a:t>Photovoltaics</a:t>
+                      </a:r>
+                      <a:endParaRPr lang="en-US" dirty="0"/>
+                    </a:p>
+                  </a:txBody>
+                  <a:tcPr/>
+                </a:tc>
+                <a:tc>
+                  <a:txBody>
+                    <a:bodyPr/>
+                    <a:lstStyle/>
+                    <a:p>
+                      <a:r>
+                        <a:rPr lang="en-US" dirty="0" smtClean="0"/>
+                        <a:t>Variable 2</a:t>
+                      </a:r>
+                    </a:p>
+                    <a:p>
+                      <a:r>
+                        <a:rPr lang="en-US" dirty="0" smtClean="0"/>
+                        <a:t>Lighting</a:t>
+                      </a:r>
+                      <a:endParaRPr lang="en-US" dirty="0"/>
+                    </a:p>
+                  </a:txBody>
+                  <a:tcPr/>
+                </a:tc>
+                <a:tc>
+                  <a:txBody>
+                    <a:bodyPr/>
+                    <a:lstStyle/>
+                    <a:p>
+                      <a:r>
+                        <a:rPr lang="en-US" dirty="0" smtClean="0"/>
+                        <a:t>Variable 3</a:t>
+                      </a:r>
+                    </a:p>
+                    <a:p>
+                      <a:r>
+                        <a:rPr lang="en-US" dirty="0" smtClean="0"/>
+                        <a:t>Cooling COP</a:t>
+                      </a:r>
+                      <a:endParaRPr lang="en-US" dirty="0"/>
+                    </a:p>
+                  </a:txBody>
+                  <a:tcPr/>
+                </a:tc>
+              </a:tr>
+              <a:tr h="415925">
+                <a:tc>
+                  <a:txBody>
+                    <a:bodyPr/>
+                    <a:lstStyle/>
+                    <a:p>
+                      <a:r>
+                        <a:rPr lang="en-US" dirty="0" smtClean="0"/>
+                        <a:t>1</a:t>
+                      </a:r>
+                      <a:endParaRPr lang="en-US" dirty="0"/>
+                    </a:p>
+                  </a:txBody>
+                  <a:tcPr/>
+                </a:tc>
+                <a:tc>
+                  <a:txBody>
+                    <a:bodyPr/>
+                    <a:lstStyle/>
+                    <a:p>
+                      <a:r>
+                        <a:rPr lang="en-US" dirty="0" smtClean="0"/>
+                        <a:t>111 Elm</a:t>
+                      </a:r>
+                      <a:endParaRPr lang="en-US" dirty="0"/>
+                    </a:p>
+                  </a:txBody>
+                  <a:tcPr/>
+                </a:tc>
+                <a:tc>
+                  <a:txBody>
+                    <a:bodyPr/>
+                    <a:lstStyle/>
+                    <a:p>
+                      <a:r>
+                        <a:rPr lang="en-US" dirty="0" smtClean="0"/>
+                        <a:t>Office</a:t>
+                      </a:r>
+                      <a:endParaRPr lang="en-US" dirty="0"/>
+                    </a:p>
+                  </a:txBody>
+                  <a:tcPr/>
+                </a:tc>
+                <a:tc>
+                  <a:txBody>
+                    <a:bodyPr/>
+                    <a:lstStyle/>
+                    <a:p>
+                      <a:r>
+                        <a:rPr lang="en-US" dirty="0" smtClean="0"/>
+                        <a:t>No PV</a:t>
+                      </a:r>
+                      <a:endParaRPr lang="en-US" dirty="0"/>
+                    </a:p>
+                  </a:txBody>
+                  <a:tcPr/>
+                </a:tc>
+                <a:tc>
+                  <a:txBody>
+                    <a:bodyPr/>
+                    <a:lstStyle/>
+                    <a:p>
+                      <a:r>
+                        <a:rPr lang="en-US" dirty="0" smtClean="0"/>
+                        <a:t>LED</a:t>
+                      </a:r>
+                      <a:r>
+                        <a:rPr lang="en-US" baseline="0" dirty="0" smtClean="0"/>
+                        <a:t> Lights</a:t>
+                      </a:r>
+                      <a:endParaRPr lang="en-US" dirty="0"/>
+                    </a:p>
+                  </a:txBody>
+                  <a:tcPr/>
+                </a:tc>
+                <a:tc>
+                  <a:txBody>
+                    <a:bodyPr/>
+                    <a:lstStyle/>
+                    <a:p>
+                      <a:r>
+                        <a:rPr lang="en-US" dirty="0" smtClean="0"/>
+                        <a:t>High</a:t>
+                      </a:r>
+                      <a:r>
+                        <a:rPr lang="en-US" baseline="0" dirty="0" smtClean="0"/>
+                        <a:t> COP</a:t>
+                      </a:r>
+                      <a:endParaRPr lang="en-US" dirty="0"/>
+                    </a:p>
+                  </a:txBody>
+                  <a:tcPr/>
+                </a:tc>
+              </a:tr>
+              <a:tr h="415925">
+                <a:tc>
+                  <a:txBody>
+                    <a:bodyPr/>
+                    <a:lstStyle/>
+                    <a:p>
+                      <a:r>
+                        <a:rPr lang="en-US" dirty="0" smtClean="0"/>
+                        <a:t>2</a:t>
+                      </a:r>
+                      <a:endParaRPr lang="en-US" dirty="0"/>
+                    </a:p>
+                  </a:txBody>
+                  <a:tcPr/>
+                </a:tc>
+                <a:tc>
+                  <a:txBody>
+                    <a:bodyPr/>
+                    <a:lstStyle/>
+                    <a:p>
+                      <a:r>
+                        <a:rPr lang="en-US" dirty="0" smtClean="0"/>
+                        <a:t>115 Elm</a:t>
+                      </a:r>
+                      <a:endParaRPr lang="en-US" dirty="0"/>
+                    </a:p>
+                  </a:txBody>
+                  <a:tcPr/>
+                </a:tc>
+                <a:tc>
+                  <a:txBody>
+                    <a:bodyPr/>
+                    <a:lstStyle/>
+                    <a:p>
+                      <a:r>
+                        <a:rPr lang="en-US" dirty="0" smtClean="0"/>
+                        <a:t>Office</a:t>
+                      </a:r>
+                      <a:endParaRPr lang="en-US" dirty="0"/>
+                    </a:p>
+                  </a:txBody>
+                  <a:tcPr/>
+                </a:tc>
+                <a:tc>
+                  <a:txBody>
+                    <a:bodyPr/>
+                    <a:lstStyle/>
+                    <a:p>
+                      <a:pPr marL="0" marR="0" indent="0" algn="l" defTabSz="914400" rtl="0" eaLnBrk="1" fontAlgn="auto" latinLnBrk="0" hangingPunct="1">
+                        <a:lnSpc>
+                          <a:spcPct val="100000"/>
+                        </a:lnSpc>
+                        <a:spcBef>
+                          <a:spcPts val="0"/>
+                        </a:spcBef>
+                        <a:spcAft>
+                          <a:spcPts val="0"/>
+                        </a:spcAft>
+                        <a:buClrTx/>
+                        <a:buSzTx/>
+                        <a:buFontTx/>
+                        <a:buNone/>
+                        <a:tabLst/>
+                        <a:defRPr/>
+                      </a:pPr>
+                      <a:r>
+                        <a:rPr lang="en-US" dirty="0" smtClean="0"/>
+                        <a:t>No PV</a:t>
+                      </a:r>
+                    </a:p>
+                  </a:txBody>
+                  <a:tcPr/>
+                </a:tc>
+                <a:tc>
+                  <a:txBody>
+                    <a:bodyPr/>
+                    <a:lstStyle/>
+                    <a:p>
+                      <a:pPr marL="0" marR="0" indent="0" algn="l" defTabSz="914400" rtl="0" eaLnBrk="1" fontAlgn="auto" latinLnBrk="0" hangingPunct="1">
+                        <a:lnSpc>
+                          <a:spcPct val="100000"/>
+                        </a:lnSpc>
+                        <a:spcBef>
+                          <a:spcPts val="0"/>
+                        </a:spcBef>
+                        <a:spcAft>
+                          <a:spcPts val="0"/>
+                        </a:spcAft>
+                        <a:buClrTx/>
+                        <a:buSzTx/>
+                        <a:buFontTx/>
+                        <a:buNone/>
+                        <a:tabLst/>
+                        <a:defRPr/>
+                      </a:pPr>
+                      <a:r>
+                        <a:rPr lang="en-US" dirty="0" smtClean="0"/>
+                        <a:t>LED</a:t>
+                      </a:r>
+                      <a:r>
+                        <a:rPr lang="en-US" baseline="0" dirty="0" smtClean="0"/>
+                        <a:t> Lights</a:t>
+                      </a:r>
+                      <a:endParaRPr lang="en-US" dirty="0" smtClean="0"/>
+                    </a:p>
+                  </a:txBody>
+                  <a:tcPr/>
+                </a:tc>
+                <a:tc>
+                  <a:txBody>
+                    <a:bodyPr/>
+                    <a:lstStyle/>
+                    <a:p>
+                      <a:r>
+                        <a:rPr lang="en-US" dirty="0" smtClean="0"/>
+                        <a:t>High</a:t>
+                      </a:r>
+                      <a:r>
+                        <a:rPr lang="en-US" baseline="0" dirty="0" smtClean="0"/>
+                        <a:t> COP</a:t>
+                      </a:r>
+                      <a:endParaRPr lang="en-US" dirty="0"/>
+                    </a:p>
+                  </a:txBody>
+                  <a:tcPr/>
+                </a:tc>
+              </a:tr>
+              <a:tr h="415925">
+                <a:tc>
+                  <a:txBody>
+                    <a:bodyPr/>
+                    <a:lstStyle/>
+                    <a:p>
+                      <a:r>
+                        <a:rPr lang="en-US" dirty="0" smtClean="0"/>
+                        <a:t>3</a:t>
+                      </a:r>
+                      <a:endParaRPr lang="en-US" dirty="0"/>
+                    </a:p>
+                  </a:txBody>
+                  <a:tcPr/>
+                </a:tc>
+                <a:tc>
+                  <a:txBody>
+                    <a:bodyPr/>
+                    <a:lstStyle/>
+                    <a:p>
+                      <a:r>
+                        <a:rPr lang="en-US" dirty="0" smtClean="0"/>
+                        <a:t>32 Maple</a:t>
+                      </a:r>
+                      <a:endParaRPr lang="en-US" dirty="0"/>
+                    </a:p>
+                  </a:txBody>
+                  <a:tcPr/>
+                </a:tc>
+                <a:tc>
+                  <a:txBody>
+                    <a:bodyPr/>
+                    <a:lstStyle/>
+                    <a:p>
+                      <a:r>
+                        <a:rPr lang="en-US" dirty="0" smtClean="0"/>
+                        <a:t>Residential</a:t>
+                      </a:r>
+                      <a:endParaRPr lang="en-US" dirty="0"/>
+                    </a:p>
+                  </a:txBody>
+                  <a:tcPr/>
+                </a:tc>
+                <a:tc>
+                  <a:txBody>
+                    <a:bodyPr/>
+                    <a:lstStyle/>
+                    <a:p>
+                      <a:r>
+                        <a:rPr lang="en-US" dirty="0" smtClean="0"/>
+                        <a:t>Max PV</a:t>
+                      </a:r>
+                      <a:endParaRPr lang="en-US" dirty="0"/>
+                    </a:p>
+                  </a:txBody>
+                  <a:tcPr/>
+                </a:tc>
+                <a:tc>
+                  <a:txBody>
+                    <a:bodyPr/>
+                    <a:lstStyle/>
+                    <a:p>
+                      <a:pPr marL="0" marR="0" indent="0" algn="l" defTabSz="914400" rtl="0" eaLnBrk="1" fontAlgn="auto" latinLnBrk="0" hangingPunct="1">
+                        <a:lnSpc>
+                          <a:spcPct val="100000"/>
+                        </a:lnSpc>
+                        <a:spcBef>
+                          <a:spcPts val="0"/>
+                        </a:spcBef>
+                        <a:spcAft>
+                          <a:spcPts val="0"/>
+                        </a:spcAft>
+                        <a:buClrTx/>
+                        <a:buSzTx/>
+                        <a:buFontTx/>
+                        <a:buNone/>
+                        <a:tabLst/>
+                        <a:defRPr/>
+                      </a:pPr>
+                      <a:r>
+                        <a:rPr lang="en-US" dirty="0" smtClean="0"/>
+                        <a:t>LED</a:t>
+                      </a:r>
+                      <a:r>
+                        <a:rPr lang="en-US" baseline="0" dirty="0" smtClean="0"/>
+                        <a:t> Lights</a:t>
+                      </a:r>
+                      <a:endParaRPr lang="en-US" dirty="0" smtClean="0"/>
+                    </a:p>
+                  </a:txBody>
+                  <a:tcPr/>
+                </a:tc>
+                <a:tc>
+                  <a:txBody>
+                    <a:bodyPr/>
+                    <a:lstStyle/>
+                    <a:p>
+                      <a:r>
+                        <a:rPr lang="en-US" dirty="0" err="1" smtClean="0"/>
+                        <a:t>Reg</a:t>
+                      </a:r>
+                      <a:r>
+                        <a:rPr lang="en-US" dirty="0" smtClean="0"/>
+                        <a:t> COP</a:t>
+                      </a:r>
+                      <a:endParaRPr lang="en-US" dirty="0"/>
+                    </a:p>
+                  </a:txBody>
+                  <a:tcPr/>
+                </a:tc>
+              </a:tr>
+              <a:tr h="415925">
+                <a:tc>
+                  <a:txBody>
+                    <a:bodyPr/>
+                    <a:lstStyle/>
+                    <a:p>
+                      <a:r>
+                        <a:rPr lang="en-US" dirty="0" smtClean="0"/>
+                        <a:t>4</a:t>
+                      </a:r>
+                      <a:endParaRPr lang="en-US" dirty="0"/>
+                    </a:p>
+                  </a:txBody>
+                  <a:tcPr/>
+                </a:tc>
+                <a:tc>
+                  <a:txBody>
+                    <a:bodyPr/>
+                    <a:lstStyle/>
+                    <a:p>
+                      <a:r>
+                        <a:rPr lang="en-US" dirty="0" smtClean="0"/>
+                        <a:t>201 Maple</a:t>
+                      </a:r>
+                      <a:endParaRPr lang="en-US" dirty="0"/>
+                    </a:p>
+                  </a:txBody>
+                  <a:tcPr/>
+                </a:tc>
+                <a:tc>
+                  <a:txBody>
+                    <a:bodyPr/>
+                    <a:lstStyle/>
+                    <a:p>
+                      <a:r>
+                        <a:rPr lang="en-US" dirty="0" smtClean="0"/>
+                        <a:t>Residential</a:t>
+                      </a:r>
+                      <a:endParaRPr lang="en-US" dirty="0"/>
+                    </a:p>
+                  </a:txBody>
+                  <a:tcPr/>
+                </a:tc>
+                <a:tc>
+                  <a:txBody>
+                    <a:bodyPr/>
+                    <a:lstStyle/>
+                    <a:p>
+                      <a:r>
+                        <a:rPr lang="en-US" dirty="0" smtClean="0"/>
+                        <a:t>Max</a:t>
+                      </a:r>
+                      <a:r>
+                        <a:rPr lang="en-US" baseline="0" dirty="0" smtClean="0"/>
+                        <a:t> PV</a:t>
+                      </a:r>
+                      <a:endParaRPr lang="en-US" dirty="0"/>
+                    </a:p>
+                  </a:txBody>
+                  <a:tcPr/>
+                </a:tc>
+                <a:tc>
+                  <a:txBody>
+                    <a:bodyPr/>
+                    <a:lstStyle/>
+                    <a:p>
+                      <a:pPr marL="0" marR="0" indent="0" algn="l" defTabSz="914400" rtl="0" eaLnBrk="1" fontAlgn="auto" latinLnBrk="0" hangingPunct="1">
+                        <a:lnSpc>
+                          <a:spcPct val="100000"/>
+                        </a:lnSpc>
+                        <a:spcBef>
+                          <a:spcPts val="0"/>
+                        </a:spcBef>
+                        <a:spcAft>
+                          <a:spcPts val="0"/>
+                        </a:spcAft>
+                        <a:buClrTx/>
+                        <a:buSzTx/>
+                        <a:buFontTx/>
+                        <a:buNone/>
+                        <a:tabLst/>
+                        <a:defRPr/>
+                      </a:pPr>
+                      <a:r>
+                        <a:rPr lang="en-US" dirty="0" smtClean="0"/>
+                        <a:t>LED</a:t>
+                      </a:r>
+                      <a:r>
+                        <a:rPr lang="en-US" baseline="0" dirty="0" smtClean="0"/>
+                        <a:t> Lights</a:t>
+                      </a:r>
+                      <a:endParaRPr lang="en-US" dirty="0" smtClean="0"/>
+                    </a:p>
+                  </a:txBody>
+                  <a:tcPr/>
+                </a:tc>
+                <a:tc>
+                  <a:txBody>
+                    <a:bodyPr/>
+                    <a:lstStyle/>
+                    <a:p>
+                      <a:pPr marL="0" marR="0" indent="0" algn="l" defTabSz="914400" rtl="0" eaLnBrk="1" fontAlgn="auto" latinLnBrk="0" hangingPunct="1">
+                        <a:lnSpc>
+                          <a:spcPct val="100000"/>
+                        </a:lnSpc>
+                        <a:spcBef>
+                          <a:spcPts val="0"/>
+                        </a:spcBef>
+                        <a:spcAft>
+                          <a:spcPts val="0"/>
+                        </a:spcAft>
+                        <a:buClrTx/>
+                        <a:buSzTx/>
+                        <a:buFontTx/>
+                        <a:buNone/>
+                        <a:tabLst/>
+                        <a:defRPr/>
+                      </a:pPr>
+                      <a:r>
+                        <a:rPr lang="en-US" dirty="0" err="1" smtClean="0"/>
+                        <a:t>Reg</a:t>
+                      </a:r>
+                      <a:r>
+                        <a:rPr lang="en-US" dirty="0" smtClean="0"/>
+                        <a:t> COP</a:t>
+                      </a:r>
+                    </a:p>
+                  </a:txBody>
+                  <a:tcPr/>
+                </a:tc>
+              </a:tr>
+              <a:tr h="415925">
+                <a:tc>
+                  <a:txBody>
+                    <a:bodyPr/>
+                    <a:lstStyle/>
+                    <a:p>
+                      <a:r>
+                        <a:rPr lang="en-US" dirty="0" smtClean="0"/>
+                        <a:t>5</a:t>
+                      </a:r>
+                      <a:endParaRPr lang="en-US" dirty="0"/>
+                    </a:p>
+                  </a:txBody>
+                  <a:tcPr/>
+                </a:tc>
+                <a:tc>
+                  <a:txBody>
+                    <a:bodyPr/>
+                    <a:lstStyle/>
+                    <a:p>
+                      <a:r>
+                        <a:rPr lang="en-US" dirty="0" smtClean="0"/>
+                        <a:t>65 Elm</a:t>
+                      </a:r>
+                      <a:endParaRPr lang="en-US" dirty="0"/>
+                    </a:p>
+                  </a:txBody>
+                  <a:tcPr/>
+                </a:tc>
+                <a:tc>
+                  <a:txBody>
+                    <a:bodyPr/>
+                    <a:lstStyle/>
+                    <a:p>
+                      <a:r>
+                        <a:rPr lang="en-US" dirty="0" smtClean="0"/>
+                        <a:t>Fast</a:t>
+                      </a:r>
+                      <a:r>
+                        <a:rPr lang="en-US" baseline="0" dirty="0" smtClean="0"/>
+                        <a:t> Food</a:t>
+                      </a:r>
+                      <a:endParaRPr lang="en-US" dirty="0"/>
+                    </a:p>
+                  </a:txBody>
+                  <a:tcPr/>
+                </a:tc>
+                <a:tc>
+                  <a:txBody>
+                    <a:bodyPr/>
+                    <a:lstStyle/>
+                    <a:p>
+                      <a:r>
+                        <a:rPr lang="en-US" dirty="0" smtClean="0"/>
+                        <a:t>No PV</a:t>
+                      </a:r>
+                      <a:endParaRPr lang="en-US" dirty="0"/>
+                    </a:p>
+                  </a:txBody>
+                  <a:tcPr/>
+                </a:tc>
+                <a:tc>
+                  <a:txBody>
+                    <a:bodyPr/>
+                    <a:lstStyle/>
+                    <a:p>
+                      <a:r>
+                        <a:rPr lang="en-US" dirty="0" err="1" smtClean="0"/>
+                        <a:t>Reg</a:t>
+                      </a:r>
+                      <a:r>
+                        <a:rPr lang="en-US" dirty="0" smtClean="0"/>
+                        <a:t> Lights</a:t>
+                      </a:r>
+                      <a:endParaRPr lang="en-US" dirty="0"/>
+                    </a:p>
+                  </a:txBody>
+                  <a:tcPr/>
+                </a:tc>
+                <a:tc>
+                  <a:txBody>
+                    <a:bodyPr/>
+                    <a:lstStyle/>
+                    <a:p>
+                      <a:pPr marL="0" marR="0" indent="0" algn="l" defTabSz="914400" rtl="0" eaLnBrk="1" fontAlgn="auto" latinLnBrk="0" hangingPunct="1">
+                        <a:lnSpc>
+                          <a:spcPct val="100000"/>
+                        </a:lnSpc>
+                        <a:spcBef>
+                          <a:spcPts val="0"/>
+                        </a:spcBef>
+                        <a:spcAft>
+                          <a:spcPts val="0"/>
+                        </a:spcAft>
+                        <a:buClrTx/>
+                        <a:buSzTx/>
+                        <a:buFontTx/>
+                        <a:buNone/>
+                        <a:tabLst/>
+                        <a:defRPr/>
+                      </a:pPr>
+                      <a:r>
+                        <a:rPr lang="en-US" dirty="0" err="1" smtClean="0"/>
+                        <a:t>Reg</a:t>
+                      </a:r>
+                      <a:r>
+                        <a:rPr lang="en-US" dirty="0" smtClean="0"/>
+                        <a:t> COP</a:t>
+                      </a:r>
+                    </a:p>
+                  </a:txBody>
+                  <a:tcPr/>
+                </a:tc>
+              </a:tr>
+              <a:tr h="415925">
+                <a:tc>
+                  <a:txBody>
+                    <a:bodyPr/>
+                    <a:lstStyle/>
+                    <a:p>
+                      <a:r>
+                        <a:rPr lang="en-US" dirty="0" smtClean="0"/>
+                        <a:t>6</a:t>
+                      </a:r>
+                      <a:endParaRPr lang="en-US" dirty="0"/>
+                    </a:p>
+                  </a:txBody>
+                  <a:tcPr/>
+                </a:tc>
+                <a:tc>
+                  <a:txBody>
+                    <a:bodyPr/>
+                    <a:lstStyle/>
+                    <a:p>
+                      <a:r>
+                        <a:rPr lang="en-US" dirty="0" smtClean="0"/>
+                        <a:t>33 Maple</a:t>
+                      </a:r>
+                      <a:endParaRPr lang="en-US" dirty="0"/>
+                    </a:p>
+                  </a:txBody>
+                  <a:tcPr/>
+                </a:tc>
+                <a:tc>
+                  <a:txBody>
+                    <a:bodyPr/>
+                    <a:lstStyle/>
+                    <a:p>
+                      <a:r>
+                        <a:rPr lang="en-US" dirty="0" smtClean="0"/>
+                        <a:t>Residential</a:t>
+                      </a:r>
+                      <a:endParaRPr lang="en-US" dirty="0"/>
+                    </a:p>
+                  </a:txBody>
+                  <a:tcPr/>
+                </a:tc>
+                <a:tc>
+                  <a:txBody>
+                    <a:bodyPr/>
+                    <a:lstStyle/>
+                    <a:p>
+                      <a:r>
+                        <a:rPr lang="en-US" dirty="0" smtClean="0"/>
+                        <a:t>Max PV</a:t>
+                      </a:r>
+                      <a:endParaRPr lang="en-US" dirty="0"/>
+                    </a:p>
+                  </a:txBody>
+                  <a:tcPr/>
+                </a:tc>
+                <a:tc>
+                  <a:txBody>
+                    <a:bodyPr/>
+                    <a:lstStyle/>
+                    <a:p>
+                      <a:pPr marL="0" marR="0" indent="0" algn="l" defTabSz="914400" rtl="0" eaLnBrk="1" fontAlgn="auto" latinLnBrk="0" hangingPunct="1">
+                        <a:lnSpc>
+                          <a:spcPct val="100000"/>
+                        </a:lnSpc>
+                        <a:spcBef>
+                          <a:spcPts val="0"/>
+                        </a:spcBef>
+                        <a:spcAft>
+                          <a:spcPts val="0"/>
+                        </a:spcAft>
+                        <a:buClrTx/>
+                        <a:buSzTx/>
+                        <a:buFontTx/>
+                        <a:buNone/>
+                        <a:tabLst/>
+                        <a:defRPr/>
+                      </a:pPr>
+                      <a:r>
+                        <a:rPr lang="en-US" dirty="0" smtClean="0"/>
+                        <a:t>LED</a:t>
+                      </a:r>
+                      <a:r>
+                        <a:rPr lang="en-US" baseline="0" dirty="0" smtClean="0"/>
+                        <a:t> Lights</a:t>
+                      </a:r>
+                      <a:endParaRPr lang="en-US" dirty="0" smtClean="0"/>
+                    </a:p>
+                  </a:txBody>
+                  <a:tcPr/>
+                </a:tc>
+                <a:tc>
+                  <a:txBody>
+                    <a:bodyPr/>
+                    <a:lstStyle/>
+                    <a:p>
+                      <a:pPr marL="0" marR="0" indent="0" algn="l" defTabSz="914400" rtl="0" eaLnBrk="1" fontAlgn="auto" latinLnBrk="0" hangingPunct="1">
+                        <a:lnSpc>
+                          <a:spcPct val="100000"/>
+                        </a:lnSpc>
+                        <a:spcBef>
+                          <a:spcPts val="0"/>
+                        </a:spcBef>
+                        <a:spcAft>
+                          <a:spcPts val="0"/>
+                        </a:spcAft>
+                        <a:buClrTx/>
+                        <a:buSzTx/>
+                        <a:buFontTx/>
+                        <a:buNone/>
+                        <a:tabLst/>
+                        <a:defRPr/>
+                      </a:pPr>
+                      <a:r>
+                        <a:rPr lang="en-US" dirty="0" err="1" smtClean="0"/>
+                        <a:t>Reg</a:t>
+                      </a:r>
+                      <a:r>
+                        <a:rPr lang="en-US" dirty="0" smtClean="0"/>
+                        <a:t> COP</a:t>
+                      </a:r>
+                    </a:p>
+                  </a:txBody>
+                  <a:tcPr/>
+                </a:tc>
+              </a:tr>
+              <a:tr h="415925">
+                <a:tc>
+                  <a:txBody>
+                    <a:bodyPr/>
+                    <a:lstStyle/>
+                    <a:p>
+                      <a:r>
+                        <a:rPr lang="en-US" dirty="0" smtClean="0"/>
+                        <a:t>7</a:t>
+                      </a:r>
+                      <a:endParaRPr lang="en-US" dirty="0"/>
+                    </a:p>
+                  </a:txBody>
+                  <a:tcPr/>
+                </a:tc>
+                <a:tc>
+                  <a:txBody>
+                    <a:bodyPr/>
+                    <a:lstStyle/>
+                    <a:p>
+                      <a:r>
+                        <a:rPr lang="en-US" dirty="0" smtClean="0"/>
+                        <a:t>701</a:t>
+                      </a:r>
+                      <a:r>
+                        <a:rPr lang="en-US" baseline="0" dirty="0" smtClean="0"/>
+                        <a:t> Elm</a:t>
+                      </a:r>
+                      <a:endParaRPr lang="en-US" dirty="0"/>
+                    </a:p>
+                  </a:txBody>
+                  <a:tcPr/>
+                </a:tc>
+                <a:tc>
+                  <a:txBody>
+                    <a:bodyPr/>
+                    <a:lstStyle/>
+                    <a:p>
+                      <a:r>
+                        <a:rPr lang="en-US" dirty="0" smtClean="0"/>
+                        <a:t>Hospital</a:t>
+                      </a:r>
+                      <a:endParaRPr lang="en-US" dirty="0"/>
+                    </a:p>
+                  </a:txBody>
+                  <a:tcPr/>
+                </a:tc>
+                <a:tc>
+                  <a:txBody>
+                    <a:bodyPr/>
+                    <a:lstStyle/>
+                    <a:p>
+                      <a:r>
+                        <a:rPr lang="en-US" dirty="0" smtClean="0"/>
+                        <a:t>Max PV</a:t>
+                      </a:r>
+                      <a:endParaRPr lang="en-US" dirty="0"/>
+                    </a:p>
+                  </a:txBody>
+                  <a:tcPr/>
+                </a:tc>
+                <a:tc>
+                  <a:txBody>
+                    <a:bodyPr/>
+                    <a:lstStyle/>
+                    <a:p>
+                      <a:pPr marL="0" marR="0" indent="0" algn="l" defTabSz="914400" rtl="0" eaLnBrk="1" fontAlgn="auto" latinLnBrk="0" hangingPunct="1">
+                        <a:lnSpc>
+                          <a:spcPct val="100000"/>
+                        </a:lnSpc>
+                        <a:spcBef>
+                          <a:spcPts val="0"/>
+                        </a:spcBef>
+                        <a:spcAft>
+                          <a:spcPts val="0"/>
+                        </a:spcAft>
+                        <a:buClrTx/>
+                        <a:buSzTx/>
+                        <a:buFontTx/>
+                        <a:buNone/>
+                        <a:tabLst/>
+                        <a:defRPr/>
+                      </a:pPr>
+                      <a:r>
+                        <a:rPr lang="en-US" dirty="0" err="1" smtClean="0"/>
+                        <a:t>Reg</a:t>
+                      </a:r>
+                      <a:r>
+                        <a:rPr lang="en-US" dirty="0" smtClean="0"/>
+                        <a:t> Lights</a:t>
+                      </a:r>
+                    </a:p>
+                  </a:txBody>
+                  <a:tcPr/>
+                </a:tc>
+                <a:tc>
+                  <a:txBody>
+                    <a:bodyPr/>
+                    <a:lstStyle/>
+                    <a:p>
+                      <a:pPr marL="0" marR="0" indent="0" algn="l" defTabSz="914400" rtl="0" eaLnBrk="1" fontAlgn="auto" latinLnBrk="0" hangingPunct="1">
+                        <a:lnSpc>
+                          <a:spcPct val="100000"/>
+                        </a:lnSpc>
+                        <a:spcBef>
+                          <a:spcPts val="0"/>
+                        </a:spcBef>
+                        <a:spcAft>
+                          <a:spcPts val="0"/>
+                        </a:spcAft>
+                        <a:buClrTx/>
+                        <a:buSzTx/>
+                        <a:buFontTx/>
+                        <a:buNone/>
+                        <a:tabLst/>
+                        <a:defRPr/>
+                      </a:pPr>
+                      <a:r>
+                        <a:rPr lang="en-US" dirty="0" smtClean="0"/>
+                        <a:t>High</a:t>
+                      </a:r>
+                      <a:r>
+                        <a:rPr lang="en-US" baseline="0" dirty="0" smtClean="0"/>
+                        <a:t> COP</a:t>
+                      </a:r>
+                      <a:endParaRPr lang="en-US" dirty="0" smtClean="0"/>
+                    </a:p>
+                  </a:txBody>
+                  <a:tcPr/>
+                </a:tc>
+              </a:tr>
+            </a:tbl>
+          </a:graphicData>
+        </a:graphic>
+      </p:graphicFrame>
+      <p:sp>
+        <p:nvSpPr>
+          <p:cNvPr id="5" name="TextBox 4"/>
+          <p:cNvSpPr txBox="1"/>
+          <p:nvPr/>
+        </p:nvSpPr>
+        <p:spPr>
+          <a:xfrm>
+            <a:off x="457200" y="771808"/>
+            <a:ext cx="752065" cy="369332"/>
+          </a:xfrm>
+          <a:prstGeom prst="rect">
+            <a:avLst/>
+          </a:prstGeom>
+          <a:noFill/>
+        </p:spPr>
+        <p:txBody>
+          <a:bodyPr wrap="none" rtlCol="0">
+            <a:spAutoFit/>
+          </a:bodyPr>
+          <a:lstStyle/>
+          <a:p>
+            <a:r>
+              <a:rPr lang="en-US" dirty="0" smtClean="0"/>
+              <a:t>Filters</a:t>
+            </a:r>
+            <a:endParaRPr lang="en-US" dirty="0"/>
+          </a:p>
+        </p:txBody>
+      </p:sp>
+      <p:sp>
+        <p:nvSpPr>
+          <p:cNvPr id="6" name="Rectangle 5"/>
+          <p:cNvSpPr/>
+          <p:nvPr/>
+        </p:nvSpPr>
+        <p:spPr>
+          <a:xfrm>
+            <a:off x="1209265" y="820145"/>
+            <a:ext cx="1371600" cy="316468"/>
+          </a:xfrm>
+          <a:prstGeom prst="rect">
+            <a:avLst/>
+          </a:prstGeom>
+        </p:spPr>
+        <p:style>
+          <a:lnRef idx="2">
+            <a:schemeClr val="accent1">
+              <a:shade val="50000"/>
+            </a:schemeClr>
+          </a:lnRef>
+          <a:fillRef idx="1">
+            <a:schemeClr val="accent1"/>
+          </a:fillRef>
+          <a:effectRef idx="0">
+            <a:schemeClr val="accent1"/>
+          </a:effectRef>
+          <a:fontRef idx="minor">
+            <a:schemeClr val="lt1"/>
+          </a:fontRef>
+        </p:style>
+        <p:txBody>
+          <a:bodyPr rtlCol="0" anchor="ctr"/>
+          <a:lstStyle/>
+          <a:p>
+            <a:pPr algn="ctr"/>
+            <a:r>
+              <a:rPr lang="en-US" dirty="0" smtClean="0"/>
+              <a:t>Type</a:t>
+            </a:r>
+            <a:endParaRPr lang="en-US" dirty="0"/>
+          </a:p>
+        </p:txBody>
+      </p:sp>
+    </p:spTree>
+    <p:extLst>
+      <p:ext uri="{BB962C8B-B14F-4D97-AF65-F5344CB8AC3E}">
+        <p14:creationId xmlns:p14="http://schemas.microsoft.com/office/powerpoint/2010/main" val="1879959408"/>
       </p:ext>
     </p:extLst>
   </p:cSld>
@@ -5250,4 +8593,289 @@
   <a:objectDefaults/>
   <a:extraClrSchemeLst/>
 </a:theme>
+</file>
+
+<file path=ppt/theme/theme2.xml><?xml version="1.0" encoding="utf-8"?>
+<a:theme xmlns:a="http://schemas.openxmlformats.org/drawingml/2006/main" name="Office Theme">
+  <a:themeElements>
+    <a:clrScheme name="Office">
+      <a:dk1>
+        <a:sysClr val="windowText" lastClr="000000"/>
+      </a:dk1>
+      <a:lt1>
+        <a:sysClr val="window" lastClr="FFFFFF"/>
+      </a:lt1>
+      <a:dk2>
+        <a:srgbClr val="1F497D"/>
+      </a:dk2>
+      <a:lt2>
+        <a:srgbClr val="EEECE1"/>
+      </a:lt2>
+      <a:accent1>
+        <a:srgbClr val="4F81BD"/>
+      </a:accent1>
+      <a:accent2>
+        <a:srgbClr val="C0504D"/>
+      </a:accent2>
+      <a:accent3>
+        <a:srgbClr val="9BBB59"/>
+      </a:accent3>
+      <a:accent4>
+        <a:srgbClr val="8064A2"/>
+      </a:accent4>
+      <a:accent5>
+        <a:srgbClr val="4BACC6"/>
+      </a:accent5>
+      <a:accent6>
+        <a:srgbClr val="F79646"/>
+      </a:accent6>
+      <a:hlink>
+        <a:srgbClr val="0000FF"/>
+      </a:hlink>
+      <a:folHlink>
+        <a:srgbClr val="800080"/>
+      </a:folHlink>
+    </a:clrScheme>
+    <a:fontScheme name="Office">
+      <a:majorFont>
+        <a:latin typeface="Calibri"/>
+        <a:ea typeface=""/>
+        <a:cs typeface=""/>
+        <a:font script="Jpan" typeface="ＭＳ Ｐゴシック"/>
+        <a:font script="Hang" typeface="맑은 고딕"/>
+        <a:font script="Hans" typeface="宋体"/>
+        <a:font script="Hant" typeface="新細明體"/>
+        <a:font script="Arab" typeface="Times New Roman"/>
+        <a:font script="Hebr" typeface="Times New Roman"/>
+        <a:font script="Thai" typeface="Angsana New"/>
+        <a:font script="Ethi" typeface="Nyala"/>
+        <a:font script="Beng" typeface="Vrinda"/>
+        <a:font script="Gujr" typeface="Shruti"/>
+        <a:font script="Khmr" typeface="MoolBoran"/>
+        <a:font script="Knda" typeface="Tunga"/>
+        <a:font script="Guru" typeface="Raavi"/>
+        <a:font script="Cans" typeface="Euphemia"/>
+        <a:font script="Cher" typeface="Plantagenet Cherokee"/>
+        <a:font script="Yiii" typeface="Microsoft Yi Baiti"/>
+        <a:font script="Tibt" typeface="Microsoft Himalaya"/>
+        <a:font script="Thaa" typeface="MV Boli"/>
+        <a:font script="Deva" typeface="Mangal"/>
+        <a:font script="Telu" typeface="Gautami"/>
+        <a:font script="Taml" typeface="Latha"/>
+        <a:font script="Syrc" typeface="Estrangelo Edessa"/>
+        <a:font script="Orya" typeface="Kalinga"/>
+        <a:font script="Mlym" typeface="Kartika"/>
+        <a:font script="Laoo" typeface="DokChampa"/>
+        <a:font script="Sinh" typeface="Iskoola Pota"/>
+        <a:font script="Mong" typeface="Mongolian Baiti"/>
+        <a:font script="Viet" typeface="Times New Roman"/>
+        <a:font script="Uigh" typeface="Microsoft Uighur"/>
+        <a:font script="Geor" typeface="Sylfaen"/>
+      </a:majorFont>
+      <a:minorFont>
+        <a:latin typeface="Calibri"/>
+        <a:ea typeface=""/>
+        <a:cs typeface=""/>
+        <a:font script="Jpan" typeface="ＭＳ Ｐゴシック"/>
+        <a:font script="Hang" typeface="맑은 고딕"/>
+        <a:font script="Hans" typeface="宋体"/>
+        <a:font script="Hant" typeface="新細明體"/>
+        <a:font script="Arab" typeface="Arial"/>
+        <a:font script="Hebr" typeface="Arial"/>
+        <a:font script="Thai" typeface="Cordia New"/>
+        <a:font script="Ethi" typeface="Nyala"/>
+        <a:font script="Beng" typeface="Vrinda"/>
+        <a:font script="Gujr" typeface="Shruti"/>
+        <a:font script="Khmr" typeface="DaunPenh"/>
+        <a:font script="Knda" typeface="Tunga"/>
+        <a:font script="Guru" typeface="Raavi"/>
+        <a:font script="Cans" typeface="Euphemia"/>
+        <a:font script="Cher" typeface="Plantagenet Cherokee"/>
+        <a:font script="Yiii" typeface="Microsoft Yi Baiti"/>
+        <a:font script="Tibt" typeface="Microsoft Himalaya"/>
+        <a:font script="Thaa" typeface="MV Boli"/>
+        <a:font script="Deva" typeface="Mangal"/>
+        <a:font script="Telu" typeface="Gautami"/>
+        <a:font script="Taml" typeface="Latha"/>
+        <a:font script="Syrc" typeface="Estrangelo Edessa"/>
+        <a:font script="Orya" typeface="Kalinga"/>
+        <a:font script="Mlym" typeface="Kartika"/>
+        <a:font script="Laoo" typeface="DokChampa"/>
+        <a:font script="Sinh" typeface="Iskoola Pota"/>
+        <a:font script="Mong" typeface="Mongolian Baiti"/>
+        <a:font script="Viet" typeface="Arial"/>
+        <a:font script="Uigh" typeface="Microsoft Uighur"/>
+        <a:font script="Geor" typeface="Sylfaen"/>
+      </a:minorFont>
+    </a:fontScheme>
+    <a:fmtScheme name="Office">
+      <a:fillStyleLst>
+        <a:solidFill>
+          <a:schemeClr val="phClr"/>
+        </a:solidFill>
+        <a:gradFill rotWithShape="1">
+          <a:gsLst>
+            <a:gs pos="0">
+              <a:schemeClr val="phClr">
+                <a:tint val="50000"/>
+                <a:satMod val="300000"/>
+              </a:schemeClr>
+            </a:gs>
+            <a:gs pos="35000">
+              <a:schemeClr val="phClr">
+                <a:tint val="37000"/>
+                <a:satMod val="300000"/>
+              </a:schemeClr>
+            </a:gs>
+            <a:gs pos="100000">
+              <a:schemeClr val="phClr">
+                <a:tint val="15000"/>
+                <a:satMod val="350000"/>
+              </a:schemeClr>
+            </a:gs>
+          </a:gsLst>
+          <a:lin ang="16200000" scaled="1"/>
+        </a:gradFill>
+        <a:gradFill rotWithShape="1">
+          <a:gsLst>
+            <a:gs pos="0">
+              <a:schemeClr val="phClr">
+                <a:shade val="51000"/>
+                <a:satMod val="130000"/>
+              </a:schemeClr>
+            </a:gs>
+            <a:gs pos="80000">
+              <a:schemeClr val="phClr">
+                <a:shade val="93000"/>
+                <a:satMod val="130000"/>
+              </a:schemeClr>
+            </a:gs>
+            <a:gs pos="100000">
+              <a:schemeClr val="phClr">
+                <a:shade val="94000"/>
+                <a:satMod val="135000"/>
+              </a:schemeClr>
+            </a:gs>
+          </a:gsLst>
+          <a:lin ang="16200000" scaled="0"/>
+        </a:gradFill>
+      </a:fillStyleLst>
+      <a:lnStyleLst>
+        <a:ln w="9525" cap="flat" cmpd="sng" algn="ctr">
+          <a:solidFill>
+            <a:schemeClr val="phClr">
+              <a:shade val="95000"/>
+              <a:satMod val="105000"/>
+            </a:schemeClr>
+          </a:solidFill>
+          <a:prstDash val="solid"/>
+        </a:ln>
+        <a:ln w="25400" cap="flat" cmpd="sng" algn="ctr">
+          <a:solidFill>
+            <a:schemeClr val="phClr"/>
+          </a:solidFill>
+          <a:prstDash val="solid"/>
+        </a:ln>
+        <a:ln w="38100" cap="flat" cmpd="sng" algn="ctr">
+          <a:solidFill>
+            <a:schemeClr val="phClr"/>
+          </a:solidFill>
+          <a:prstDash val="solid"/>
+        </a:ln>
+      </a:lnStyleLst>
+      <a:effectStyleLst>
+        <a:effectStyle>
+          <a:effectLst>
+            <a:outerShdw blurRad="40000" dist="20000" dir="5400000" rotWithShape="0">
+              <a:srgbClr val="000000">
+                <a:alpha val="38000"/>
+              </a:srgbClr>
+            </a:outerShdw>
+          </a:effectLst>
+        </a:effectStyle>
+        <a:effectStyle>
+          <a:effectLst>
+            <a:outerShdw blurRad="40000" dist="23000" dir="5400000" rotWithShape="0">
+              <a:srgbClr val="000000">
+                <a:alpha val="35000"/>
+              </a:srgbClr>
+            </a:outerShdw>
+          </a:effectLst>
+        </a:effectStyle>
+        <a:effectStyle>
+          <a:effectLst>
+            <a:outerShdw blurRad="40000" dist="23000" dir="5400000" rotWithShape="0">
+              <a:srgbClr val="000000">
+                <a:alpha val="35000"/>
+              </a:srgbClr>
+            </a:outerShdw>
+          </a:effectLst>
+          <a:scene3d>
+            <a:camera prst="orthographicFront">
+              <a:rot lat="0" lon="0" rev="0"/>
+            </a:camera>
+            <a:lightRig rig="threePt" dir="t">
+              <a:rot lat="0" lon="0" rev="1200000"/>
+            </a:lightRig>
+          </a:scene3d>
+          <a:sp3d>
+            <a:bevelT w="63500" h="25400"/>
+          </a:sp3d>
+        </a:effectStyle>
+      </a:effectStyleLst>
+      <a:bgFillStyleLst>
+        <a:solidFill>
+          <a:schemeClr val="phClr"/>
+        </a:solidFill>
+        <a:gradFill rotWithShape="1">
+          <a:gsLst>
+            <a:gs pos="0">
+              <a:schemeClr val="phClr">
+                <a:tint val="40000"/>
+                <a:satMod val="350000"/>
+              </a:schemeClr>
+            </a:gs>
+            <a:gs pos="40000">
+              <a:schemeClr val="phClr">
+                <a:tint val="45000"/>
+                <a:shade val="99000"/>
+                <a:satMod val="350000"/>
+              </a:schemeClr>
+            </a:gs>
+            <a:gs pos="100000">
+              <a:schemeClr val="phClr">
+                <a:shade val="20000"/>
+                <a:satMod val="255000"/>
+              </a:schemeClr>
+            </a:gs>
+          </a:gsLst>
+          <a:path path="circle">
+            <a:fillToRect l="50000" t="-80000" r="50000" b="180000"/>
+          </a:path>
+        </a:gradFill>
+        <a:gradFill rotWithShape="1">
+          <a:gsLst>
+            <a:gs pos="0">
+              <a:schemeClr val="phClr">
+                <a:tint val="80000"/>
+                <a:satMod val="300000"/>
+              </a:schemeClr>
+            </a:gs>
+            <a:gs pos="100000">
+              <a:schemeClr val="phClr">
+                <a:shade val="30000"/>
+                <a:satMod val="200000"/>
+              </a:schemeClr>
+            </a:gs>
+          </a:gsLst>
+          <a:path path="circle">
+            <a:fillToRect l="50000" t="50000" r="50000" b="50000"/>
+          </a:path>
+        </a:gradFill>
+      </a:bgFillStyleLst>
+    </a:fmtScheme>
+  </a:themeElements>
+  <a:objectDefaults/>
+  <a:extraClrSchemeLst/>
+</a:theme>
 </file>